--- a/src/TestingDeveloper/GettingStarted.pptx
+++ b/src/TestingDeveloper/GettingStarted.pptx
@@ -5,7 +5,7 @@
     <p:sldMasterId id="2147483648" r:id="rId1"/>
   </p:sldMasterIdLst>
   <p:notesMasterIdLst>
-    <p:notesMasterId r:id="rId8"/>
+    <p:notesMasterId r:id="rId12"/>
   </p:notesMasterIdLst>
   <p:sldIdLst>
     <p:sldId id="265" r:id="rId2"/>
@@ -14,6 +14,10 @@
     <p:sldId id="263" r:id="rId5"/>
     <p:sldId id="266" r:id="rId6"/>
     <p:sldId id="268" r:id="rId7"/>
+    <p:sldId id="269" r:id="rId8"/>
+    <p:sldId id="270" r:id="rId9"/>
+    <p:sldId id="271" r:id="rId10"/>
+    <p:sldId id="272" r:id="rId11"/>
   </p:sldIdLst>
   <p:sldSz cx="12192000" cy="6858000"/>
   <p:notesSz cx="6858000" cy="9144000"/>
@@ -202,7 +206,7 @@
           <a:p>
             <a:fld id="{1E8BBD72-DDF5-4713-B547-ABBC4BF23FBC}" type="datetimeFigureOut">
               <a:rPr lang="en-US" smtClean="0"/>
-              <a:t>11/11/2021</a:t>
+              <a:t>11/18/2021</a:t>
             </a:fld>
             <a:endParaRPr lang="en-US"/>
           </a:p>
@@ -721,6 +725,342 @@
 </p:notes>
 </file>
 
+<file path=ppt/notesSlides/notesSlide4.xml><?xml version="1.0" encoding="utf-8"?>
+<p:notes xmlns:a="http://schemas.openxmlformats.org/drawingml/2006/main" xmlns:r="http://schemas.openxmlformats.org/officeDocument/2006/relationships" xmlns:p="http://schemas.openxmlformats.org/presentationml/2006/main">
+  <p:cSld>
+    <p:spTree>
+      <p:nvGrpSpPr>
+        <p:cNvPr id="1" name=""/>
+        <p:cNvGrpSpPr/>
+        <p:nvPr/>
+      </p:nvGrpSpPr>
+      <p:grpSpPr>
+        <a:xfrm>
+          <a:off x="0" y="0"/>
+          <a:ext cx="0" cy="0"/>
+          <a:chOff x="0" y="0"/>
+          <a:chExt cx="0" cy="0"/>
+        </a:xfrm>
+      </p:grpSpPr>
+      <p:sp>
+        <p:nvSpPr>
+          <p:cNvPr id="2" name="Slide Image Placeholder 1"/>
+          <p:cNvSpPr>
+            <a:spLocks noGrp="1" noRot="1" noChangeAspect="1"/>
+          </p:cNvSpPr>
+          <p:nvPr>
+            <p:ph type="sldImg"/>
+          </p:nvPr>
+        </p:nvSpPr>
+        <p:spPr/>
+      </p:sp>
+      <p:sp>
+        <p:nvSpPr>
+          <p:cNvPr id="3" name="Notes Placeholder 2"/>
+          <p:cNvSpPr>
+            <a:spLocks noGrp="1"/>
+          </p:cNvSpPr>
+          <p:nvPr>
+            <p:ph type="body" idx="1"/>
+          </p:nvPr>
+        </p:nvSpPr>
+        <p:spPr/>
+        <p:txBody>
+          <a:bodyPr/>
+          <a:lstStyle/>
+          <a:p>
+            <a:endParaRPr lang="en-US" dirty="0"/>
+          </a:p>
+        </p:txBody>
+      </p:sp>
+      <p:sp>
+        <p:nvSpPr>
+          <p:cNvPr id="4" name="Slide Number Placeholder 3"/>
+          <p:cNvSpPr>
+            <a:spLocks noGrp="1"/>
+          </p:cNvSpPr>
+          <p:nvPr>
+            <p:ph type="sldNum" sz="quarter" idx="10"/>
+          </p:nvPr>
+        </p:nvSpPr>
+        <p:spPr/>
+        <p:txBody>
+          <a:bodyPr/>
+          <a:lstStyle/>
+          <a:p>
+            <a:fld id="{43E926A6-F168-4354-970F-122FCF1B7246}" type="slidenum">
+              <a:rPr lang="en-US" smtClean="0"/>
+              <a:t>7</a:t>
+            </a:fld>
+            <a:endParaRPr lang="en-US"/>
+          </a:p>
+        </p:txBody>
+      </p:sp>
+    </p:spTree>
+    <p:extLst>
+      <p:ext uri="{BB962C8B-B14F-4D97-AF65-F5344CB8AC3E}">
+        <p14:creationId xmlns:p14="http://schemas.microsoft.com/office/powerpoint/2010/main" val="3020013457"/>
+      </p:ext>
+    </p:extLst>
+  </p:cSld>
+  <p:clrMapOvr>
+    <a:masterClrMapping/>
+  </p:clrMapOvr>
+</p:notes>
+</file>
+
+<file path=ppt/notesSlides/notesSlide5.xml><?xml version="1.0" encoding="utf-8"?>
+<p:notes xmlns:a="http://schemas.openxmlformats.org/drawingml/2006/main" xmlns:r="http://schemas.openxmlformats.org/officeDocument/2006/relationships" xmlns:p="http://schemas.openxmlformats.org/presentationml/2006/main">
+  <p:cSld>
+    <p:spTree>
+      <p:nvGrpSpPr>
+        <p:cNvPr id="1" name=""/>
+        <p:cNvGrpSpPr/>
+        <p:nvPr/>
+      </p:nvGrpSpPr>
+      <p:grpSpPr>
+        <a:xfrm>
+          <a:off x="0" y="0"/>
+          <a:ext cx="0" cy="0"/>
+          <a:chOff x="0" y="0"/>
+          <a:chExt cx="0" cy="0"/>
+        </a:xfrm>
+      </p:grpSpPr>
+      <p:sp>
+        <p:nvSpPr>
+          <p:cNvPr id="2" name="Slide Image Placeholder 1"/>
+          <p:cNvSpPr>
+            <a:spLocks noGrp="1" noRot="1" noChangeAspect="1"/>
+          </p:cNvSpPr>
+          <p:nvPr>
+            <p:ph type="sldImg"/>
+          </p:nvPr>
+        </p:nvSpPr>
+        <p:spPr/>
+      </p:sp>
+      <p:sp>
+        <p:nvSpPr>
+          <p:cNvPr id="3" name="Notes Placeholder 2"/>
+          <p:cNvSpPr>
+            <a:spLocks noGrp="1"/>
+          </p:cNvSpPr>
+          <p:nvPr>
+            <p:ph type="body" idx="1"/>
+          </p:nvPr>
+        </p:nvSpPr>
+        <p:spPr/>
+        <p:txBody>
+          <a:bodyPr/>
+          <a:lstStyle/>
+          <a:p>
+            <a:endParaRPr lang="en-US" dirty="0"/>
+          </a:p>
+        </p:txBody>
+      </p:sp>
+      <p:sp>
+        <p:nvSpPr>
+          <p:cNvPr id="4" name="Slide Number Placeholder 3"/>
+          <p:cNvSpPr>
+            <a:spLocks noGrp="1"/>
+          </p:cNvSpPr>
+          <p:nvPr>
+            <p:ph type="sldNum" sz="quarter" idx="10"/>
+          </p:nvPr>
+        </p:nvSpPr>
+        <p:spPr/>
+        <p:txBody>
+          <a:bodyPr/>
+          <a:lstStyle/>
+          <a:p>
+            <a:fld id="{43E926A6-F168-4354-970F-122FCF1B7246}" type="slidenum">
+              <a:rPr lang="en-US" smtClean="0"/>
+              <a:t>8</a:t>
+            </a:fld>
+            <a:endParaRPr lang="en-US"/>
+          </a:p>
+        </p:txBody>
+      </p:sp>
+    </p:spTree>
+    <p:extLst>
+      <p:ext uri="{BB962C8B-B14F-4D97-AF65-F5344CB8AC3E}">
+        <p14:creationId xmlns:p14="http://schemas.microsoft.com/office/powerpoint/2010/main" val="3531654883"/>
+      </p:ext>
+    </p:extLst>
+  </p:cSld>
+  <p:clrMapOvr>
+    <a:masterClrMapping/>
+  </p:clrMapOvr>
+</p:notes>
+</file>
+
+<file path=ppt/notesSlides/notesSlide6.xml><?xml version="1.0" encoding="utf-8"?>
+<p:notes xmlns:a="http://schemas.openxmlformats.org/drawingml/2006/main" xmlns:r="http://schemas.openxmlformats.org/officeDocument/2006/relationships" xmlns:p="http://schemas.openxmlformats.org/presentationml/2006/main">
+  <p:cSld>
+    <p:spTree>
+      <p:nvGrpSpPr>
+        <p:cNvPr id="1" name=""/>
+        <p:cNvGrpSpPr/>
+        <p:nvPr/>
+      </p:nvGrpSpPr>
+      <p:grpSpPr>
+        <a:xfrm>
+          <a:off x="0" y="0"/>
+          <a:ext cx="0" cy="0"/>
+          <a:chOff x="0" y="0"/>
+          <a:chExt cx="0" cy="0"/>
+        </a:xfrm>
+      </p:grpSpPr>
+      <p:sp>
+        <p:nvSpPr>
+          <p:cNvPr id="2" name="Slide Image Placeholder 1"/>
+          <p:cNvSpPr>
+            <a:spLocks noGrp="1" noRot="1" noChangeAspect="1"/>
+          </p:cNvSpPr>
+          <p:nvPr>
+            <p:ph type="sldImg"/>
+          </p:nvPr>
+        </p:nvSpPr>
+        <p:spPr/>
+      </p:sp>
+      <p:sp>
+        <p:nvSpPr>
+          <p:cNvPr id="3" name="Notes Placeholder 2"/>
+          <p:cNvSpPr>
+            <a:spLocks noGrp="1"/>
+          </p:cNvSpPr>
+          <p:nvPr>
+            <p:ph type="body" idx="1"/>
+          </p:nvPr>
+        </p:nvSpPr>
+        <p:spPr/>
+        <p:txBody>
+          <a:bodyPr/>
+          <a:lstStyle/>
+          <a:p>
+            <a:endParaRPr lang="en-US" dirty="0"/>
+          </a:p>
+        </p:txBody>
+      </p:sp>
+      <p:sp>
+        <p:nvSpPr>
+          <p:cNvPr id="4" name="Slide Number Placeholder 3"/>
+          <p:cNvSpPr>
+            <a:spLocks noGrp="1"/>
+          </p:cNvSpPr>
+          <p:nvPr>
+            <p:ph type="sldNum" sz="quarter" idx="10"/>
+          </p:nvPr>
+        </p:nvSpPr>
+        <p:spPr/>
+        <p:txBody>
+          <a:bodyPr/>
+          <a:lstStyle/>
+          <a:p>
+            <a:fld id="{43E926A6-F168-4354-970F-122FCF1B7246}" type="slidenum">
+              <a:rPr lang="en-US" smtClean="0"/>
+              <a:t>9</a:t>
+            </a:fld>
+            <a:endParaRPr lang="en-US"/>
+          </a:p>
+        </p:txBody>
+      </p:sp>
+    </p:spTree>
+    <p:extLst>
+      <p:ext uri="{BB962C8B-B14F-4D97-AF65-F5344CB8AC3E}">
+        <p14:creationId xmlns:p14="http://schemas.microsoft.com/office/powerpoint/2010/main" val="2586699514"/>
+      </p:ext>
+    </p:extLst>
+  </p:cSld>
+  <p:clrMapOvr>
+    <a:masterClrMapping/>
+  </p:clrMapOvr>
+</p:notes>
+</file>
+
+<file path=ppt/notesSlides/notesSlide7.xml><?xml version="1.0" encoding="utf-8"?>
+<p:notes xmlns:a="http://schemas.openxmlformats.org/drawingml/2006/main" xmlns:r="http://schemas.openxmlformats.org/officeDocument/2006/relationships" xmlns:p="http://schemas.openxmlformats.org/presentationml/2006/main">
+  <p:cSld>
+    <p:spTree>
+      <p:nvGrpSpPr>
+        <p:cNvPr id="1" name=""/>
+        <p:cNvGrpSpPr/>
+        <p:nvPr/>
+      </p:nvGrpSpPr>
+      <p:grpSpPr>
+        <a:xfrm>
+          <a:off x="0" y="0"/>
+          <a:ext cx="0" cy="0"/>
+          <a:chOff x="0" y="0"/>
+          <a:chExt cx="0" cy="0"/>
+        </a:xfrm>
+      </p:grpSpPr>
+      <p:sp>
+        <p:nvSpPr>
+          <p:cNvPr id="2" name="Slide Image Placeholder 1"/>
+          <p:cNvSpPr>
+            <a:spLocks noGrp="1" noRot="1" noChangeAspect="1"/>
+          </p:cNvSpPr>
+          <p:nvPr>
+            <p:ph type="sldImg"/>
+          </p:nvPr>
+        </p:nvSpPr>
+        <p:spPr/>
+      </p:sp>
+      <p:sp>
+        <p:nvSpPr>
+          <p:cNvPr id="3" name="Notes Placeholder 2"/>
+          <p:cNvSpPr>
+            <a:spLocks noGrp="1"/>
+          </p:cNvSpPr>
+          <p:nvPr>
+            <p:ph type="body" idx="1"/>
+          </p:nvPr>
+        </p:nvSpPr>
+        <p:spPr/>
+        <p:txBody>
+          <a:bodyPr/>
+          <a:lstStyle/>
+          <a:p>
+            <a:endParaRPr lang="en-US" dirty="0"/>
+          </a:p>
+        </p:txBody>
+      </p:sp>
+      <p:sp>
+        <p:nvSpPr>
+          <p:cNvPr id="4" name="Slide Number Placeholder 3"/>
+          <p:cNvSpPr>
+            <a:spLocks noGrp="1"/>
+          </p:cNvSpPr>
+          <p:nvPr>
+            <p:ph type="sldNum" sz="quarter" idx="10"/>
+          </p:nvPr>
+        </p:nvSpPr>
+        <p:spPr/>
+        <p:txBody>
+          <a:bodyPr/>
+          <a:lstStyle/>
+          <a:p>
+            <a:fld id="{43E926A6-F168-4354-970F-122FCF1B7246}" type="slidenum">
+              <a:rPr lang="en-US" smtClean="0"/>
+              <a:t>10</a:t>
+            </a:fld>
+            <a:endParaRPr lang="en-US"/>
+          </a:p>
+        </p:txBody>
+      </p:sp>
+    </p:spTree>
+    <p:extLst>
+      <p:ext uri="{BB962C8B-B14F-4D97-AF65-F5344CB8AC3E}">
+        <p14:creationId xmlns:p14="http://schemas.microsoft.com/office/powerpoint/2010/main" val="883667861"/>
+      </p:ext>
+    </p:extLst>
+  </p:cSld>
+  <p:clrMapOvr>
+    <a:masterClrMapping/>
+  </p:clrMapOvr>
+</p:notes>
+</file>
+
 <file path=ppt/slideLayouts/slideLayout1.xml><?xml version="1.0" encoding="utf-8"?>
 <p:sldLayout xmlns:a="http://schemas.openxmlformats.org/drawingml/2006/main" xmlns:r="http://schemas.openxmlformats.org/officeDocument/2006/relationships" xmlns:p="http://schemas.openxmlformats.org/presentationml/2006/main" type="title" preserve="1">
   <p:cSld name="Title Slide">
@@ -850,7 +1190,7 @@
           <a:p>
             <a:fld id="{631BDC30-2873-4EDA-B0C7-135EB58B73FC}" type="datetimeFigureOut">
               <a:rPr lang="en-US" smtClean="0"/>
-              <a:t>11/11/2021</a:t>
+              <a:t>11/18/2021</a:t>
             </a:fld>
             <a:endParaRPr lang="en-US"/>
           </a:p>
@@ -1018,7 +1358,7 @@
           <a:p>
             <a:fld id="{631BDC30-2873-4EDA-B0C7-135EB58B73FC}" type="datetimeFigureOut">
               <a:rPr lang="en-US" smtClean="0"/>
-              <a:t>11/11/2021</a:t>
+              <a:t>11/18/2021</a:t>
             </a:fld>
             <a:endParaRPr lang="en-US"/>
           </a:p>
@@ -1196,7 +1536,7 @@
           <a:p>
             <a:fld id="{631BDC30-2873-4EDA-B0C7-135EB58B73FC}" type="datetimeFigureOut">
               <a:rPr lang="en-US" smtClean="0"/>
-              <a:t>11/11/2021</a:t>
+              <a:t>11/18/2021</a:t>
             </a:fld>
             <a:endParaRPr lang="en-US"/>
           </a:p>
@@ -1364,7 +1704,7 @@
           <a:p>
             <a:fld id="{631BDC30-2873-4EDA-B0C7-135EB58B73FC}" type="datetimeFigureOut">
               <a:rPr lang="en-US" smtClean="0"/>
-              <a:t>11/11/2021</a:t>
+              <a:t>11/18/2021</a:t>
             </a:fld>
             <a:endParaRPr lang="en-US"/>
           </a:p>
@@ -1609,7 +1949,7 @@
           <a:p>
             <a:fld id="{631BDC30-2873-4EDA-B0C7-135EB58B73FC}" type="datetimeFigureOut">
               <a:rPr lang="en-US" smtClean="0"/>
-              <a:t>11/11/2021</a:t>
+              <a:t>11/18/2021</a:t>
             </a:fld>
             <a:endParaRPr lang="en-US"/>
           </a:p>
@@ -1838,7 +2178,7 @@
           <a:p>
             <a:fld id="{631BDC30-2873-4EDA-B0C7-135EB58B73FC}" type="datetimeFigureOut">
               <a:rPr lang="en-US" smtClean="0"/>
-              <a:t>11/11/2021</a:t>
+              <a:t>11/18/2021</a:t>
             </a:fld>
             <a:endParaRPr lang="en-US"/>
           </a:p>
@@ -2202,7 +2542,7 @@
           <a:p>
             <a:fld id="{631BDC30-2873-4EDA-B0C7-135EB58B73FC}" type="datetimeFigureOut">
               <a:rPr lang="en-US" smtClean="0"/>
-              <a:t>11/11/2021</a:t>
+              <a:t>11/18/2021</a:t>
             </a:fld>
             <a:endParaRPr lang="en-US"/>
           </a:p>
@@ -2319,7 +2659,7 @@
           <a:p>
             <a:fld id="{631BDC30-2873-4EDA-B0C7-135EB58B73FC}" type="datetimeFigureOut">
               <a:rPr lang="en-US" smtClean="0"/>
-              <a:t>11/11/2021</a:t>
+              <a:t>11/18/2021</a:t>
             </a:fld>
             <a:endParaRPr lang="en-US"/>
           </a:p>
@@ -2414,7 +2754,7 @@
           <a:p>
             <a:fld id="{631BDC30-2873-4EDA-B0C7-135EB58B73FC}" type="datetimeFigureOut">
               <a:rPr lang="en-US" smtClean="0"/>
-              <a:t>11/11/2021</a:t>
+              <a:t>11/18/2021</a:t>
             </a:fld>
             <a:endParaRPr lang="en-US"/>
           </a:p>
@@ -2689,7 +3029,7 @@
           <a:p>
             <a:fld id="{631BDC30-2873-4EDA-B0C7-135EB58B73FC}" type="datetimeFigureOut">
               <a:rPr lang="en-US" smtClean="0"/>
-              <a:t>11/11/2021</a:t>
+              <a:t>11/18/2021</a:t>
             </a:fld>
             <a:endParaRPr lang="en-US"/>
           </a:p>
@@ -2941,7 +3281,7 @@
           <a:p>
             <a:fld id="{631BDC30-2873-4EDA-B0C7-135EB58B73FC}" type="datetimeFigureOut">
               <a:rPr lang="en-US" smtClean="0"/>
-              <a:t>11/11/2021</a:t>
+              <a:t>11/18/2021</a:t>
             </a:fld>
             <a:endParaRPr lang="en-US"/>
           </a:p>
@@ -3152,7 +3492,7 @@
           <a:p>
             <a:fld id="{631BDC30-2873-4EDA-B0C7-135EB58B73FC}" type="datetimeFigureOut">
               <a:rPr lang="en-US" smtClean="0"/>
-              <a:t>11/11/2021</a:t>
+              <a:t>11/18/2021</a:t>
             </a:fld>
             <a:endParaRPr lang="en-US"/>
           </a:p>
@@ -3768,6 +4108,1381 @@
 </p:sld>
 </file>
 
+<file path=ppt/slides/slide10.xml><?xml version="1.0" encoding="utf-8"?>
+<p:sld xmlns:a="http://schemas.openxmlformats.org/drawingml/2006/main" xmlns:r="http://schemas.openxmlformats.org/officeDocument/2006/relationships" xmlns:p="http://schemas.openxmlformats.org/presentationml/2006/main">
+  <p:cSld>
+    <p:spTree>
+      <p:nvGrpSpPr>
+        <p:cNvPr id="1" name=""/>
+        <p:cNvGrpSpPr/>
+        <p:nvPr/>
+      </p:nvGrpSpPr>
+      <p:grpSpPr>
+        <a:xfrm>
+          <a:off x="0" y="0"/>
+          <a:ext cx="0" cy="0"/>
+          <a:chOff x="0" y="0"/>
+          <a:chExt cx="0" cy="0"/>
+        </a:xfrm>
+      </p:grpSpPr>
+      <p:sp>
+        <p:nvSpPr>
+          <p:cNvPr id="3" name="Rounded Rectangle 2"/>
+          <p:cNvSpPr/>
+          <p:nvPr/>
+        </p:nvSpPr>
+        <p:spPr>
+          <a:xfrm>
+            <a:off x="4024121" y="1093221"/>
+            <a:ext cx="4493481" cy="4833258"/>
+          </a:xfrm>
+          <a:prstGeom prst="roundRect">
+            <a:avLst/>
+          </a:prstGeom>
+          <a:noFill/>
+          <a:ln w="9525" cap="flat" cmpd="sng" algn="ctr">
+            <a:solidFill>
+              <a:schemeClr val="dk1"/>
+            </a:solidFill>
+            <a:prstDash val="solid"/>
+            <a:round/>
+            <a:headEnd type="none" w="med" len="med"/>
+            <a:tailEnd type="none" w="med" len="med"/>
+          </a:ln>
+        </p:spPr>
+        <p:style>
+          <a:lnRef idx="0">
+            <a:scrgbClr r="0" g="0" b="0"/>
+          </a:lnRef>
+          <a:fillRef idx="0">
+            <a:scrgbClr r="0" g="0" b="0"/>
+          </a:fillRef>
+          <a:effectRef idx="0">
+            <a:scrgbClr r="0" g="0" b="0"/>
+          </a:effectRef>
+          <a:fontRef idx="minor">
+            <a:schemeClr val="dk1"/>
+          </a:fontRef>
+        </p:style>
+        <p:txBody>
+          <a:bodyPr rtlCol="0" anchor="ctr"/>
+          <a:lstStyle/>
+          <a:p>
+            <a:pPr algn="ctr"/>
+            <a:endParaRPr lang="en-US"/>
+          </a:p>
+        </p:txBody>
+      </p:sp>
+      <p:sp>
+        <p:nvSpPr>
+          <p:cNvPr id="4" name="Oval 3"/>
+          <p:cNvSpPr/>
+          <p:nvPr/>
+        </p:nvSpPr>
+        <p:spPr>
+          <a:xfrm>
+            <a:off x="4294709" y="3214381"/>
+            <a:ext cx="597159" cy="597159"/>
+          </a:xfrm>
+          <a:prstGeom prst="ellipse">
+            <a:avLst/>
+          </a:prstGeom>
+        </p:spPr>
+        <p:style>
+          <a:lnRef idx="0">
+            <a:schemeClr val="accent2"/>
+          </a:lnRef>
+          <a:fillRef idx="3">
+            <a:schemeClr val="accent2"/>
+          </a:fillRef>
+          <a:effectRef idx="3">
+            <a:schemeClr val="accent2"/>
+          </a:effectRef>
+          <a:fontRef idx="minor">
+            <a:schemeClr val="lt1"/>
+          </a:fontRef>
+        </p:style>
+        <p:txBody>
+          <a:bodyPr rtlCol="0" anchor="ctr"/>
+          <a:lstStyle/>
+          <a:p>
+            <a:pPr algn="ctr"/>
+            <a:r>
+              <a:rPr lang="en-US" sz="1600" dirty="0"/>
+              <a:t>F1</a:t>
+            </a:r>
+          </a:p>
+        </p:txBody>
+      </p:sp>
+      <p:sp>
+        <p:nvSpPr>
+          <p:cNvPr id="5" name="Oval 4"/>
+          <p:cNvSpPr/>
+          <p:nvPr/>
+        </p:nvSpPr>
+        <p:spPr>
+          <a:xfrm>
+            <a:off x="5361508" y="2617222"/>
+            <a:ext cx="597159" cy="597159"/>
+          </a:xfrm>
+          <a:prstGeom prst="ellipse">
+            <a:avLst/>
+          </a:prstGeom>
+        </p:spPr>
+        <p:style>
+          <a:lnRef idx="0">
+            <a:schemeClr val="accent2"/>
+          </a:lnRef>
+          <a:fillRef idx="3">
+            <a:schemeClr val="accent2"/>
+          </a:fillRef>
+          <a:effectRef idx="3">
+            <a:schemeClr val="accent2"/>
+          </a:effectRef>
+          <a:fontRef idx="minor">
+            <a:schemeClr val="lt1"/>
+          </a:fontRef>
+        </p:style>
+        <p:txBody>
+          <a:bodyPr rtlCol="0" anchor="ctr"/>
+          <a:lstStyle/>
+          <a:p>
+            <a:pPr algn="ctr"/>
+            <a:r>
+              <a:rPr lang="en-US" sz="1600" dirty="0"/>
+              <a:t>R1</a:t>
+            </a:r>
+          </a:p>
+        </p:txBody>
+      </p:sp>
+      <p:sp>
+        <p:nvSpPr>
+          <p:cNvPr id="6" name="Oval 5"/>
+          <p:cNvSpPr/>
+          <p:nvPr/>
+        </p:nvSpPr>
+        <p:spPr>
+          <a:xfrm>
+            <a:off x="5361508" y="3808430"/>
+            <a:ext cx="597159" cy="597159"/>
+          </a:xfrm>
+          <a:prstGeom prst="ellipse">
+            <a:avLst/>
+          </a:prstGeom>
+        </p:spPr>
+        <p:style>
+          <a:lnRef idx="0">
+            <a:schemeClr val="accent2"/>
+          </a:lnRef>
+          <a:fillRef idx="3">
+            <a:schemeClr val="accent2"/>
+          </a:fillRef>
+          <a:effectRef idx="3">
+            <a:schemeClr val="accent2"/>
+          </a:effectRef>
+          <a:fontRef idx="minor">
+            <a:schemeClr val="lt1"/>
+          </a:fontRef>
+        </p:style>
+        <p:txBody>
+          <a:bodyPr rtlCol="0" anchor="ctr"/>
+          <a:lstStyle/>
+          <a:p>
+            <a:pPr algn="ctr"/>
+            <a:r>
+              <a:rPr lang="en-US" sz="1600" dirty="0"/>
+              <a:t>R2</a:t>
+            </a:r>
+          </a:p>
+        </p:txBody>
+      </p:sp>
+      <p:sp>
+        <p:nvSpPr>
+          <p:cNvPr id="10" name="Oval 9"/>
+          <p:cNvSpPr/>
+          <p:nvPr/>
+        </p:nvSpPr>
+        <p:spPr>
+          <a:xfrm>
+            <a:off x="6428307" y="2054274"/>
+            <a:ext cx="597159" cy="597159"/>
+          </a:xfrm>
+          <a:prstGeom prst="ellipse">
+            <a:avLst/>
+          </a:prstGeom>
+        </p:spPr>
+        <p:style>
+          <a:lnRef idx="0">
+            <a:schemeClr val="accent2"/>
+          </a:lnRef>
+          <a:fillRef idx="3">
+            <a:schemeClr val="accent2"/>
+          </a:fillRef>
+          <a:effectRef idx="3">
+            <a:schemeClr val="accent2"/>
+          </a:effectRef>
+          <a:fontRef idx="minor">
+            <a:schemeClr val="lt1"/>
+          </a:fontRef>
+        </p:style>
+        <p:txBody>
+          <a:bodyPr rtlCol="0" anchor="ctr"/>
+          <a:lstStyle/>
+          <a:p>
+            <a:pPr algn="ctr"/>
+            <a:r>
+              <a:rPr lang="en-US" sz="1600" dirty="0"/>
+              <a:t>E1</a:t>
+            </a:r>
+          </a:p>
+        </p:txBody>
+      </p:sp>
+      <p:sp>
+        <p:nvSpPr>
+          <p:cNvPr id="11" name="Oval 10"/>
+          <p:cNvSpPr/>
+          <p:nvPr/>
+        </p:nvSpPr>
+        <p:spPr>
+          <a:xfrm>
+            <a:off x="7495106" y="1457115"/>
+            <a:ext cx="597159" cy="597159"/>
+          </a:xfrm>
+          <a:prstGeom prst="ellipse">
+            <a:avLst/>
+          </a:prstGeom>
+        </p:spPr>
+        <p:style>
+          <a:lnRef idx="0">
+            <a:schemeClr val="accent2"/>
+          </a:lnRef>
+          <a:fillRef idx="3">
+            <a:schemeClr val="accent2"/>
+          </a:fillRef>
+          <a:effectRef idx="3">
+            <a:schemeClr val="accent2"/>
+          </a:effectRef>
+          <a:fontRef idx="minor">
+            <a:schemeClr val="lt1"/>
+          </a:fontRef>
+        </p:style>
+        <p:txBody>
+          <a:bodyPr rtlCol="0" anchor="ctr"/>
+          <a:lstStyle/>
+          <a:p>
+            <a:pPr algn="ctr"/>
+            <a:r>
+              <a:rPr lang="en-US" sz="1600" dirty="0"/>
+              <a:t>C1</a:t>
+            </a:r>
+          </a:p>
+        </p:txBody>
+      </p:sp>
+      <p:sp>
+        <p:nvSpPr>
+          <p:cNvPr id="12" name="Oval 11"/>
+          <p:cNvSpPr/>
+          <p:nvPr/>
+        </p:nvSpPr>
+        <p:spPr>
+          <a:xfrm>
+            <a:off x="7495106" y="2648323"/>
+            <a:ext cx="597159" cy="597159"/>
+          </a:xfrm>
+          <a:prstGeom prst="ellipse">
+            <a:avLst/>
+          </a:prstGeom>
+        </p:spPr>
+        <p:style>
+          <a:lnRef idx="0">
+            <a:schemeClr val="accent3"/>
+          </a:lnRef>
+          <a:fillRef idx="3">
+            <a:schemeClr val="accent3"/>
+          </a:fillRef>
+          <a:effectRef idx="3">
+            <a:schemeClr val="accent3"/>
+          </a:effectRef>
+          <a:fontRef idx="minor">
+            <a:schemeClr val="lt1"/>
+          </a:fontRef>
+        </p:style>
+        <p:txBody>
+          <a:bodyPr rtlCol="0" anchor="ctr"/>
+          <a:lstStyle/>
+          <a:p>
+            <a:pPr algn="ctr"/>
+            <a:r>
+              <a:rPr lang="en-US" sz="1600" dirty="0"/>
+              <a:t>G1</a:t>
+            </a:r>
+          </a:p>
+        </p:txBody>
+      </p:sp>
+      <p:sp>
+        <p:nvSpPr>
+          <p:cNvPr id="13" name="Oval 12"/>
+          <p:cNvSpPr/>
+          <p:nvPr/>
+        </p:nvSpPr>
+        <p:spPr>
+          <a:xfrm>
+            <a:off x="6442301" y="4405589"/>
+            <a:ext cx="597159" cy="597159"/>
+          </a:xfrm>
+          <a:prstGeom prst="ellipse">
+            <a:avLst/>
+          </a:prstGeom>
+        </p:spPr>
+        <p:style>
+          <a:lnRef idx="0">
+            <a:schemeClr val="accent2"/>
+          </a:lnRef>
+          <a:fillRef idx="3">
+            <a:schemeClr val="accent2"/>
+          </a:fillRef>
+          <a:effectRef idx="3">
+            <a:schemeClr val="accent2"/>
+          </a:effectRef>
+          <a:fontRef idx="minor">
+            <a:schemeClr val="lt1"/>
+          </a:fontRef>
+        </p:style>
+        <p:txBody>
+          <a:bodyPr rtlCol="0" anchor="ctr"/>
+          <a:lstStyle/>
+          <a:p>
+            <a:pPr algn="ctr"/>
+            <a:r>
+              <a:rPr lang="en-US" sz="1600" dirty="0"/>
+              <a:t>E3</a:t>
+            </a:r>
+          </a:p>
+        </p:txBody>
+      </p:sp>
+      <p:sp>
+        <p:nvSpPr>
+          <p:cNvPr id="14" name="Oval 13"/>
+          <p:cNvSpPr/>
+          <p:nvPr/>
+        </p:nvSpPr>
+        <p:spPr>
+          <a:xfrm>
+            <a:off x="7509100" y="3808430"/>
+            <a:ext cx="597159" cy="597159"/>
+          </a:xfrm>
+          <a:prstGeom prst="ellipse">
+            <a:avLst/>
+          </a:prstGeom>
+        </p:spPr>
+        <p:style>
+          <a:lnRef idx="0">
+            <a:schemeClr val="accent3"/>
+          </a:lnRef>
+          <a:fillRef idx="3">
+            <a:schemeClr val="accent3"/>
+          </a:fillRef>
+          <a:effectRef idx="3">
+            <a:schemeClr val="accent3"/>
+          </a:effectRef>
+          <a:fontRef idx="minor">
+            <a:schemeClr val="lt1"/>
+          </a:fontRef>
+        </p:style>
+        <p:txBody>
+          <a:bodyPr rtlCol="0" anchor="ctr"/>
+          <a:lstStyle/>
+          <a:p>
+            <a:pPr algn="ctr"/>
+            <a:r>
+              <a:rPr lang="en-US" sz="1600" dirty="0"/>
+              <a:t>G2</a:t>
+            </a:r>
+          </a:p>
+        </p:txBody>
+      </p:sp>
+      <p:sp>
+        <p:nvSpPr>
+          <p:cNvPr id="15" name="Oval 14"/>
+          <p:cNvSpPr/>
+          <p:nvPr/>
+        </p:nvSpPr>
+        <p:spPr>
+          <a:xfrm>
+            <a:off x="7509100" y="4999638"/>
+            <a:ext cx="597159" cy="597159"/>
+          </a:xfrm>
+          <a:prstGeom prst="ellipse">
+            <a:avLst/>
+          </a:prstGeom>
+        </p:spPr>
+        <p:style>
+          <a:lnRef idx="0">
+            <a:schemeClr val="accent3"/>
+          </a:lnRef>
+          <a:fillRef idx="3">
+            <a:schemeClr val="accent3"/>
+          </a:fillRef>
+          <a:effectRef idx="3">
+            <a:schemeClr val="accent3"/>
+          </a:effectRef>
+          <a:fontRef idx="minor">
+            <a:schemeClr val="lt1"/>
+          </a:fontRef>
+        </p:style>
+        <p:txBody>
+          <a:bodyPr rtlCol="0" anchor="ctr"/>
+          <a:lstStyle/>
+          <a:p>
+            <a:pPr algn="ctr"/>
+            <a:r>
+              <a:rPr lang="en-US" sz="1600" dirty="0"/>
+              <a:t>G3</a:t>
+            </a:r>
+          </a:p>
+        </p:txBody>
+      </p:sp>
+      <p:sp>
+        <p:nvSpPr>
+          <p:cNvPr id="16" name="Oval 15"/>
+          <p:cNvSpPr/>
+          <p:nvPr/>
+        </p:nvSpPr>
+        <p:spPr>
+          <a:xfrm>
+            <a:off x="6429858" y="3211271"/>
+            <a:ext cx="597159" cy="597159"/>
+          </a:xfrm>
+          <a:prstGeom prst="ellipse">
+            <a:avLst/>
+          </a:prstGeom>
+        </p:spPr>
+        <p:style>
+          <a:lnRef idx="0">
+            <a:schemeClr val="accent2"/>
+          </a:lnRef>
+          <a:fillRef idx="3">
+            <a:schemeClr val="accent2"/>
+          </a:fillRef>
+          <a:effectRef idx="3">
+            <a:schemeClr val="accent2"/>
+          </a:effectRef>
+          <a:fontRef idx="minor">
+            <a:schemeClr val="lt1"/>
+          </a:fontRef>
+        </p:style>
+        <p:txBody>
+          <a:bodyPr rtlCol="0" anchor="ctr"/>
+          <a:lstStyle/>
+          <a:p>
+            <a:pPr algn="ctr"/>
+            <a:r>
+              <a:rPr lang="en-US" sz="1600" dirty="0"/>
+              <a:t>E2</a:t>
+            </a:r>
+          </a:p>
+        </p:txBody>
+      </p:sp>
+      <p:cxnSp>
+        <p:nvCxnSpPr>
+          <p:cNvPr id="19" name="Straight Arrow Connector 18"/>
+          <p:cNvCxnSpPr/>
+          <p:nvPr/>
+        </p:nvCxnSpPr>
+        <p:spPr>
+          <a:xfrm flipV="1">
+            <a:off x="4947076" y="3142845"/>
+            <a:ext cx="357672" cy="205273"/>
+          </a:xfrm>
+          <a:prstGeom prst="straightConnector1">
+            <a:avLst/>
+          </a:prstGeom>
+          <a:ln>
+            <a:tailEnd type="triangle"/>
+          </a:ln>
+        </p:spPr>
+        <p:style>
+          <a:lnRef idx="1">
+            <a:schemeClr val="dk1"/>
+          </a:lnRef>
+          <a:fillRef idx="0">
+            <a:schemeClr val="dk1"/>
+          </a:fillRef>
+          <a:effectRef idx="0">
+            <a:schemeClr val="dk1"/>
+          </a:effectRef>
+          <a:fontRef idx="minor">
+            <a:schemeClr val="tx1"/>
+          </a:fontRef>
+        </p:style>
+      </p:cxnSp>
+      <p:cxnSp>
+        <p:nvCxnSpPr>
+          <p:cNvPr id="21" name="Straight Arrow Connector 20"/>
+          <p:cNvCxnSpPr/>
+          <p:nvPr/>
+        </p:nvCxnSpPr>
+        <p:spPr>
+          <a:xfrm>
+            <a:off x="4947076" y="3669248"/>
+            <a:ext cx="374766" cy="241820"/>
+          </a:xfrm>
+          <a:prstGeom prst="straightConnector1">
+            <a:avLst/>
+          </a:prstGeom>
+          <a:ln>
+            <a:tailEnd type="triangle"/>
+          </a:ln>
+        </p:spPr>
+        <p:style>
+          <a:lnRef idx="1">
+            <a:schemeClr val="dk1"/>
+          </a:lnRef>
+          <a:fillRef idx="0">
+            <a:schemeClr val="dk1"/>
+          </a:fillRef>
+          <a:effectRef idx="0">
+            <a:schemeClr val="dk1"/>
+          </a:effectRef>
+          <a:fontRef idx="minor">
+            <a:schemeClr val="tx1"/>
+          </a:fontRef>
+        </p:style>
+      </p:cxnSp>
+      <p:cxnSp>
+        <p:nvCxnSpPr>
+          <p:cNvPr id="18" name="Straight Arrow Connector 17"/>
+          <p:cNvCxnSpPr/>
+          <p:nvPr/>
+        </p:nvCxnSpPr>
+        <p:spPr>
+          <a:xfrm flipV="1">
+            <a:off x="6014651" y="2514585"/>
+            <a:ext cx="357672" cy="205273"/>
+          </a:xfrm>
+          <a:prstGeom prst="straightConnector1">
+            <a:avLst/>
+          </a:prstGeom>
+          <a:ln>
+            <a:tailEnd type="triangle"/>
+          </a:ln>
+        </p:spPr>
+        <p:style>
+          <a:lnRef idx="1">
+            <a:schemeClr val="dk1"/>
+          </a:lnRef>
+          <a:fillRef idx="0">
+            <a:schemeClr val="dk1"/>
+          </a:fillRef>
+          <a:effectRef idx="0">
+            <a:schemeClr val="dk1"/>
+          </a:effectRef>
+          <a:fontRef idx="minor">
+            <a:schemeClr val="tx1"/>
+          </a:fontRef>
+        </p:style>
+      </p:cxnSp>
+      <p:cxnSp>
+        <p:nvCxnSpPr>
+          <p:cNvPr id="20" name="Straight Arrow Connector 19"/>
+          <p:cNvCxnSpPr/>
+          <p:nvPr/>
+        </p:nvCxnSpPr>
+        <p:spPr>
+          <a:xfrm flipV="1">
+            <a:off x="7081450" y="1951637"/>
+            <a:ext cx="357672" cy="205273"/>
+          </a:xfrm>
+          <a:prstGeom prst="straightConnector1">
+            <a:avLst/>
+          </a:prstGeom>
+          <a:ln>
+            <a:tailEnd type="triangle"/>
+          </a:ln>
+        </p:spPr>
+        <p:style>
+          <a:lnRef idx="1">
+            <a:schemeClr val="dk1"/>
+          </a:lnRef>
+          <a:fillRef idx="0">
+            <a:schemeClr val="dk1"/>
+          </a:fillRef>
+          <a:effectRef idx="0">
+            <a:schemeClr val="dk1"/>
+          </a:effectRef>
+          <a:fontRef idx="minor">
+            <a:schemeClr val="tx1"/>
+          </a:fontRef>
+        </p:style>
+      </p:cxnSp>
+      <p:cxnSp>
+        <p:nvCxnSpPr>
+          <p:cNvPr id="22" name="Straight Arrow Connector 21"/>
+          <p:cNvCxnSpPr/>
+          <p:nvPr/>
+        </p:nvCxnSpPr>
+        <p:spPr>
+          <a:xfrm>
+            <a:off x="6021664" y="3080638"/>
+            <a:ext cx="374766" cy="241820"/>
+          </a:xfrm>
+          <a:prstGeom prst="straightConnector1">
+            <a:avLst/>
+          </a:prstGeom>
+          <a:ln>
+            <a:tailEnd type="triangle"/>
+          </a:ln>
+        </p:spPr>
+        <p:style>
+          <a:lnRef idx="1">
+            <a:schemeClr val="dk1"/>
+          </a:lnRef>
+          <a:fillRef idx="0">
+            <a:schemeClr val="dk1"/>
+          </a:fillRef>
+          <a:effectRef idx="0">
+            <a:schemeClr val="dk1"/>
+          </a:effectRef>
+          <a:fontRef idx="minor">
+            <a:schemeClr val="tx1"/>
+          </a:fontRef>
+        </p:style>
+      </p:cxnSp>
+      <p:cxnSp>
+        <p:nvCxnSpPr>
+          <p:cNvPr id="23" name="Straight Arrow Connector 22"/>
+          <p:cNvCxnSpPr/>
+          <p:nvPr/>
+        </p:nvCxnSpPr>
+        <p:spPr>
+          <a:xfrm>
+            <a:off x="7108672" y="2489701"/>
+            <a:ext cx="374766" cy="241820"/>
+          </a:xfrm>
+          <a:prstGeom prst="straightConnector1">
+            <a:avLst/>
+          </a:prstGeom>
+          <a:ln>
+            <a:tailEnd type="triangle"/>
+          </a:ln>
+        </p:spPr>
+        <p:style>
+          <a:lnRef idx="1">
+            <a:schemeClr val="dk1"/>
+          </a:lnRef>
+          <a:fillRef idx="0">
+            <a:schemeClr val="dk1"/>
+          </a:fillRef>
+          <a:effectRef idx="0">
+            <a:schemeClr val="dk1"/>
+          </a:effectRef>
+          <a:fontRef idx="minor">
+            <a:schemeClr val="tx1"/>
+          </a:fontRef>
+        </p:style>
+      </p:cxnSp>
+      <p:cxnSp>
+        <p:nvCxnSpPr>
+          <p:cNvPr id="24" name="Straight Arrow Connector 23"/>
+          <p:cNvCxnSpPr/>
+          <p:nvPr/>
+        </p:nvCxnSpPr>
+        <p:spPr>
+          <a:xfrm>
+            <a:off x="7080675" y="3713566"/>
+            <a:ext cx="374766" cy="241820"/>
+          </a:xfrm>
+          <a:prstGeom prst="straightConnector1">
+            <a:avLst/>
+          </a:prstGeom>
+          <a:ln>
+            <a:tailEnd type="triangle"/>
+          </a:ln>
+        </p:spPr>
+        <p:style>
+          <a:lnRef idx="1">
+            <a:schemeClr val="dk1"/>
+          </a:lnRef>
+          <a:fillRef idx="0">
+            <a:schemeClr val="dk1"/>
+          </a:fillRef>
+          <a:effectRef idx="0">
+            <a:schemeClr val="dk1"/>
+          </a:effectRef>
+          <a:fontRef idx="minor">
+            <a:schemeClr val="tx1"/>
+          </a:fontRef>
+        </p:style>
+      </p:cxnSp>
+      <p:cxnSp>
+        <p:nvCxnSpPr>
+          <p:cNvPr id="25" name="Straight Arrow Connector 24"/>
+          <p:cNvCxnSpPr/>
+          <p:nvPr/>
+        </p:nvCxnSpPr>
+        <p:spPr>
+          <a:xfrm flipV="1">
+            <a:off x="7095046" y="4302953"/>
+            <a:ext cx="357672" cy="205273"/>
+          </a:xfrm>
+          <a:prstGeom prst="straightConnector1">
+            <a:avLst/>
+          </a:prstGeom>
+          <a:ln>
+            <a:tailEnd type="triangle"/>
+          </a:ln>
+        </p:spPr>
+        <p:style>
+          <a:lnRef idx="1">
+            <a:schemeClr val="dk1"/>
+          </a:lnRef>
+          <a:fillRef idx="0">
+            <a:schemeClr val="dk1"/>
+          </a:fillRef>
+          <a:effectRef idx="0">
+            <a:schemeClr val="dk1"/>
+          </a:effectRef>
+          <a:fontRef idx="minor">
+            <a:schemeClr val="tx1"/>
+          </a:fontRef>
+        </p:style>
+      </p:cxnSp>
+      <p:cxnSp>
+        <p:nvCxnSpPr>
+          <p:cNvPr id="26" name="Straight Arrow Connector 25"/>
+          <p:cNvCxnSpPr/>
+          <p:nvPr/>
+        </p:nvCxnSpPr>
+        <p:spPr>
+          <a:xfrm>
+            <a:off x="5997557" y="4302953"/>
+            <a:ext cx="374766" cy="241820"/>
+          </a:xfrm>
+          <a:prstGeom prst="straightConnector1">
+            <a:avLst/>
+          </a:prstGeom>
+          <a:ln>
+            <a:tailEnd type="triangle"/>
+          </a:ln>
+        </p:spPr>
+        <p:style>
+          <a:lnRef idx="1">
+            <a:schemeClr val="dk1"/>
+          </a:lnRef>
+          <a:fillRef idx="0">
+            <a:schemeClr val="dk1"/>
+          </a:fillRef>
+          <a:effectRef idx="0">
+            <a:schemeClr val="dk1"/>
+          </a:effectRef>
+          <a:fontRef idx="minor">
+            <a:schemeClr val="tx1"/>
+          </a:fontRef>
+        </p:style>
+      </p:cxnSp>
+      <p:cxnSp>
+        <p:nvCxnSpPr>
+          <p:cNvPr id="27" name="Straight Arrow Connector 26"/>
+          <p:cNvCxnSpPr/>
+          <p:nvPr/>
+        </p:nvCxnSpPr>
+        <p:spPr>
+          <a:xfrm>
+            <a:off x="7081440" y="4853458"/>
+            <a:ext cx="374766" cy="241820"/>
+          </a:xfrm>
+          <a:prstGeom prst="straightConnector1">
+            <a:avLst/>
+          </a:prstGeom>
+          <a:ln>
+            <a:tailEnd type="triangle"/>
+          </a:ln>
+        </p:spPr>
+        <p:style>
+          <a:lnRef idx="1">
+            <a:schemeClr val="dk1"/>
+          </a:lnRef>
+          <a:fillRef idx="0">
+            <a:schemeClr val="dk1"/>
+          </a:fillRef>
+          <a:effectRef idx="0">
+            <a:schemeClr val="dk1"/>
+          </a:effectRef>
+          <a:fontRef idx="minor">
+            <a:schemeClr val="tx1"/>
+          </a:fontRef>
+        </p:style>
+      </p:cxnSp>
+      <p:cxnSp>
+        <p:nvCxnSpPr>
+          <p:cNvPr id="33" name="Straight Arrow Connector 32"/>
+          <p:cNvCxnSpPr/>
+          <p:nvPr/>
+        </p:nvCxnSpPr>
+        <p:spPr>
+          <a:xfrm flipV="1">
+            <a:off x="6893282" y="3291359"/>
+            <a:ext cx="613095" cy="1066801"/>
+          </a:xfrm>
+          <a:prstGeom prst="straightConnector1">
+            <a:avLst/>
+          </a:prstGeom>
+          <a:ln>
+            <a:tailEnd type="triangle"/>
+          </a:ln>
+        </p:spPr>
+        <p:style>
+          <a:lnRef idx="1">
+            <a:schemeClr val="dk1"/>
+          </a:lnRef>
+          <a:fillRef idx="0">
+            <a:schemeClr val="dk1"/>
+          </a:fillRef>
+          <a:effectRef idx="0">
+            <a:schemeClr val="dk1"/>
+          </a:effectRef>
+          <a:fontRef idx="minor">
+            <a:schemeClr val="tx1"/>
+          </a:fontRef>
+        </p:style>
+      </p:cxnSp>
+      <p:sp>
+        <p:nvSpPr>
+          <p:cNvPr id="29" name="Rectangle 28"/>
+          <p:cNvSpPr/>
+          <p:nvPr/>
+        </p:nvSpPr>
+        <p:spPr>
+          <a:xfrm>
+            <a:off x="2190122" y="1564812"/>
+            <a:ext cx="528732" cy="528730"/>
+          </a:xfrm>
+          <a:prstGeom prst="rect">
+            <a:avLst/>
+          </a:prstGeom>
+          <a:gradFill flip="none" rotWithShape="1">
+            <a:gsLst>
+              <a:gs pos="0">
+                <a:schemeClr val="accent6">
+                  <a:lumMod val="67000"/>
+                </a:schemeClr>
+              </a:gs>
+              <a:gs pos="48000">
+                <a:schemeClr val="accent6">
+                  <a:lumMod val="97000"/>
+                  <a:lumOff val="3000"/>
+                </a:schemeClr>
+              </a:gs>
+              <a:gs pos="100000">
+                <a:schemeClr val="accent6">
+                  <a:lumMod val="60000"/>
+                  <a:lumOff val="40000"/>
+                </a:schemeClr>
+              </a:gs>
+            </a:gsLst>
+            <a:lin ang="16200000" scaled="1"/>
+            <a:tileRect/>
+          </a:gradFill>
+          <a:ln>
+            <a:noFill/>
+          </a:ln>
+        </p:spPr>
+        <p:style>
+          <a:lnRef idx="0">
+            <a:scrgbClr r="0" g="0" b="0"/>
+          </a:lnRef>
+          <a:fillRef idx="0">
+            <a:scrgbClr r="0" g="0" b="0"/>
+          </a:fillRef>
+          <a:effectRef idx="0">
+            <a:scrgbClr r="0" g="0" b="0"/>
+          </a:effectRef>
+          <a:fontRef idx="minor">
+            <a:schemeClr val="lt1"/>
+          </a:fontRef>
+        </p:style>
+        <p:txBody>
+          <a:bodyPr rtlCol="0" anchor="ctr"/>
+          <a:lstStyle/>
+          <a:p>
+            <a:pPr algn="ctr"/>
+            <a:r>
+              <a:rPr lang="en-US" dirty="0"/>
+              <a:t>T</a:t>
+            </a:r>
+          </a:p>
+        </p:txBody>
+      </p:sp>
+      <p:cxnSp>
+        <p:nvCxnSpPr>
+          <p:cNvPr id="37" name="Straight Arrow Connector 36"/>
+          <p:cNvCxnSpPr/>
+          <p:nvPr/>
+        </p:nvCxnSpPr>
+        <p:spPr>
+          <a:xfrm>
+            <a:off x="2917279" y="3509850"/>
+            <a:ext cx="1322222" cy="0"/>
+          </a:xfrm>
+          <a:prstGeom prst="straightConnector1">
+            <a:avLst/>
+          </a:prstGeom>
+          <a:ln>
+            <a:tailEnd type="triangle"/>
+          </a:ln>
+        </p:spPr>
+        <p:style>
+          <a:lnRef idx="1">
+            <a:schemeClr val="dk1"/>
+          </a:lnRef>
+          <a:fillRef idx="0">
+            <a:schemeClr val="dk1"/>
+          </a:fillRef>
+          <a:effectRef idx="0">
+            <a:schemeClr val="dk1"/>
+          </a:effectRef>
+          <a:fontRef idx="minor">
+            <a:schemeClr val="tx1"/>
+          </a:fontRef>
+        </p:style>
+      </p:cxnSp>
+      <p:sp>
+        <p:nvSpPr>
+          <p:cNvPr id="30" name="Rectangle 29">
+            <a:extLst>
+              <a:ext uri="{FF2B5EF4-FFF2-40B4-BE49-F238E27FC236}">
+                <a16:creationId xmlns:a16="http://schemas.microsoft.com/office/drawing/2014/main" id="{8402E4A1-A7AA-4A68-8E88-D63CE9347D50}"/>
+              </a:ext>
+            </a:extLst>
+          </p:cNvPr>
+          <p:cNvSpPr/>
+          <p:nvPr/>
+        </p:nvSpPr>
+        <p:spPr>
+          <a:xfrm>
+            <a:off x="2192749" y="2223786"/>
+            <a:ext cx="528732" cy="528730"/>
+          </a:xfrm>
+          <a:prstGeom prst="rect">
+            <a:avLst/>
+          </a:prstGeom>
+          <a:gradFill flip="none" rotWithShape="1">
+            <a:gsLst>
+              <a:gs pos="0">
+                <a:schemeClr val="accent6">
+                  <a:lumMod val="67000"/>
+                </a:schemeClr>
+              </a:gs>
+              <a:gs pos="48000">
+                <a:schemeClr val="accent6">
+                  <a:lumMod val="97000"/>
+                  <a:lumOff val="3000"/>
+                </a:schemeClr>
+              </a:gs>
+              <a:gs pos="100000">
+                <a:schemeClr val="accent6">
+                  <a:lumMod val="60000"/>
+                  <a:lumOff val="40000"/>
+                </a:schemeClr>
+              </a:gs>
+            </a:gsLst>
+            <a:lin ang="16200000" scaled="1"/>
+            <a:tileRect/>
+          </a:gradFill>
+          <a:ln>
+            <a:noFill/>
+          </a:ln>
+        </p:spPr>
+        <p:style>
+          <a:lnRef idx="0">
+            <a:scrgbClr r="0" g="0" b="0"/>
+          </a:lnRef>
+          <a:fillRef idx="0">
+            <a:scrgbClr r="0" g="0" b="0"/>
+          </a:fillRef>
+          <a:effectRef idx="0">
+            <a:scrgbClr r="0" g="0" b="0"/>
+          </a:effectRef>
+          <a:fontRef idx="minor">
+            <a:schemeClr val="lt1"/>
+          </a:fontRef>
+        </p:style>
+        <p:txBody>
+          <a:bodyPr rtlCol="0" anchor="ctr"/>
+          <a:lstStyle/>
+          <a:p>
+            <a:pPr algn="ctr"/>
+            <a:r>
+              <a:rPr lang="en-US" dirty="0"/>
+              <a:t>T</a:t>
+            </a:r>
+          </a:p>
+        </p:txBody>
+      </p:sp>
+      <p:sp>
+        <p:nvSpPr>
+          <p:cNvPr id="31" name="Rectangle 30">
+            <a:extLst>
+              <a:ext uri="{FF2B5EF4-FFF2-40B4-BE49-F238E27FC236}">
+                <a16:creationId xmlns:a16="http://schemas.microsoft.com/office/drawing/2014/main" id="{7F696B2A-305B-4594-80E3-982C826CAF23}"/>
+              </a:ext>
+            </a:extLst>
+          </p:cNvPr>
+          <p:cNvSpPr/>
+          <p:nvPr/>
+        </p:nvSpPr>
+        <p:spPr>
+          <a:xfrm>
+            <a:off x="2190122" y="2882760"/>
+            <a:ext cx="528732" cy="528730"/>
+          </a:xfrm>
+          <a:prstGeom prst="rect">
+            <a:avLst/>
+          </a:prstGeom>
+          <a:gradFill flip="none" rotWithShape="1">
+            <a:gsLst>
+              <a:gs pos="0">
+                <a:schemeClr val="accent6">
+                  <a:lumMod val="67000"/>
+                </a:schemeClr>
+              </a:gs>
+              <a:gs pos="48000">
+                <a:schemeClr val="accent6">
+                  <a:lumMod val="97000"/>
+                  <a:lumOff val="3000"/>
+                </a:schemeClr>
+              </a:gs>
+              <a:gs pos="100000">
+                <a:schemeClr val="accent6">
+                  <a:lumMod val="60000"/>
+                  <a:lumOff val="40000"/>
+                </a:schemeClr>
+              </a:gs>
+            </a:gsLst>
+            <a:lin ang="16200000" scaled="1"/>
+            <a:tileRect/>
+          </a:gradFill>
+          <a:ln>
+            <a:noFill/>
+          </a:ln>
+        </p:spPr>
+        <p:style>
+          <a:lnRef idx="0">
+            <a:scrgbClr r="0" g="0" b="0"/>
+          </a:lnRef>
+          <a:fillRef idx="0">
+            <a:scrgbClr r="0" g="0" b="0"/>
+          </a:fillRef>
+          <a:effectRef idx="0">
+            <a:scrgbClr r="0" g="0" b="0"/>
+          </a:effectRef>
+          <a:fontRef idx="minor">
+            <a:schemeClr val="lt1"/>
+          </a:fontRef>
+        </p:style>
+        <p:txBody>
+          <a:bodyPr rtlCol="0" anchor="ctr"/>
+          <a:lstStyle/>
+          <a:p>
+            <a:pPr algn="ctr"/>
+            <a:r>
+              <a:rPr lang="en-US" dirty="0"/>
+              <a:t>T</a:t>
+            </a:r>
+          </a:p>
+        </p:txBody>
+      </p:sp>
+      <p:sp>
+        <p:nvSpPr>
+          <p:cNvPr id="32" name="Rectangle 31">
+            <a:extLst>
+              <a:ext uri="{FF2B5EF4-FFF2-40B4-BE49-F238E27FC236}">
+                <a16:creationId xmlns:a16="http://schemas.microsoft.com/office/drawing/2014/main" id="{68993F75-F7FC-4270-AFB3-10E6D2163F0A}"/>
+              </a:ext>
+            </a:extLst>
+          </p:cNvPr>
+          <p:cNvSpPr/>
+          <p:nvPr/>
+        </p:nvSpPr>
+        <p:spPr>
+          <a:xfrm>
+            <a:off x="2190122" y="3541734"/>
+            <a:ext cx="528732" cy="528730"/>
+          </a:xfrm>
+          <a:prstGeom prst="rect">
+            <a:avLst/>
+          </a:prstGeom>
+          <a:gradFill flip="none" rotWithShape="1">
+            <a:gsLst>
+              <a:gs pos="0">
+                <a:schemeClr val="accent6">
+                  <a:lumMod val="67000"/>
+                </a:schemeClr>
+              </a:gs>
+              <a:gs pos="48000">
+                <a:schemeClr val="accent6">
+                  <a:lumMod val="97000"/>
+                  <a:lumOff val="3000"/>
+                </a:schemeClr>
+              </a:gs>
+              <a:gs pos="100000">
+                <a:schemeClr val="accent6">
+                  <a:lumMod val="60000"/>
+                  <a:lumOff val="40000"/>
+                </a:schemeClr>
+              </a:gs>
+            </a:gsLst>
+            <a:lin ang="16200000" scaled="1"/>
+            <a:tileRect/>
+          </a:gradFill>
+          <a:ln>
+            <a:noFill/>
+          </a:ln>
+        </p:spPr>
+        <p:style>
+          <a:lnRef idx="0">
+            <a:scrgbClr r="0" g="0" b="0"/>
+          </a:lnRef>
+          <a:fillRef idx="0">
+            <a:scrgbClr r="0" g="0" b="0"/>
+          </a:fillRef>
+          <a:effectRef idx="0">
+            <a:scrgbClr r="0" g="0" b="0"/>
+          </a:effectRef>
+          <a:fontRef idx="minor">
+            <a:schemeClr val="lt1"/>
+          </a:fontRef>
+        </p:style>
+        <p:txBody>
+          <a:bodyPr rtlCol="0" anchor="ctr"/>
+          <a:lstStyle/>
+          <a:p>
+            <a:pPr algn="ctr"/>
+            <a:r>
+              <a:rPr lang="en-US" dirty="0"/>
+              <a:t>T</a:t>
+            </a:r>
+          </a:p>
+        </p:txBody>
+      </p:sp>
+      <p:sp>
+        <p:nvSpPr>
+          <p:cNvPr id="34" name="Rectangle 33">
+            <a:extLst>
+              <a:ext uri="{FF2B5EF4-FFF2-40B4-BE49-F238E27FC236}">
+                <a16:creationId xmlns:a16="http://schemas.microsoft.com/office/drawing/2014/main" id="{7BAAE9AA-7838-4D63-8EDF-11B264DA7739}"/>
+              </a:ext>
+            </a:extLst>
+          </p:cNvPr>
+          <p:cNvSpPr/>
+          <p:nvPr/>
+        </p:nvSpPr>
+        <p:spPr>
+          <a:xfrm>
+            <a:off x="2190122" y="4197596"/>
+            <a:ext cx="528732" cy="528730"/>
+          </a:xfrm>
+          <a:prstGeom prst="rect">
+            <a:avLst/>
+          </a:prstGeom>
+          <a:gradFill flip="none" rotWithShape="1">
+            <a:gsLst>
+              <a:gs pos="0">
+                <a:schemeClr val="accent6">
+                  <a:lumMod val="67000"/>
+                </a:schemeClr>
+              </a:gs>
+              <a:gs pos="48000">
+                <a:schemeClr val="accent6">
+                  <a:lumMod val="97000"/>
+                  <a:lumOff val="3000"/>
+                </a:schemeClr>
+              </a:gs>
+              <a:gs pos="100000">
+                <a:schemeClr val="accent6">
+                  <a:lumMod val="60000"/>
+                  <a:lumOff val="40000"/>
+                </a:schemeClr>
+              </a:gs>
+            </a:gsLst>
+            <a:lin ang="16200000" scaled="1"/>
+            <a:tileRect/>
+          </a:gradFill>
+          <a:ln>
+            <a:noFill/>
+          </a:ln>
+        </p:spPr>
+        <p:style>
+          <a:lnRef idx="0">
+            <a:scrgbClr r="0" g="0" b="0"/>
+          </a:lnRef>
+          <a:fillRef idx="0">
+            <a:scrgbClr r="0" g="0" b="0"/>
+          </a:fillRef>
+          <a:effectRef idx="0">
+            <a:scrgbClr r="0" g="0" b="0"/>
+          </a:effectRef>
+          <a:fontRef idx="minor">
+            <a:schemeClr val="lt1"/>
+          </a:fontRef>
+        </p:style>
+        <p:txBody>
+          <a:bodyPr rtlCol="0" anchor="ctr"/>
+          <a:lstStyle/>
+          <a:p>
+            <a:pPr algn="ctr"/>
+            <a:r>
+              <a:rPr lang="en-US" dirty="0"/>
+              <a:t>T</a:t>
+            </a:r>
+          </a:p>
+        </p:txBody>
+      </p:sp>
+      <p:sp>
+        <p:nvSpPr>
+          <p:cNvPr id="38" name="Rectangle 37">
+            <a:extLst>
+              <a:ext uri="{FF2B5EF4-FFF2-40B4-BE49-F238E27FC236}">
+                <a16:creationId xmlns:a16="http://schemas.microsoft.com/office/drawing/2014/main" id="{07FC1FA5-44A2-4ED4-B88C-A4811AAF90AB}"/>
+              </a:ext>
+            </a:extLst>
+          </p:cNvPr>
+          <p:cNvSpPr/>
+          <p:nvPr/>
+        </p:nvSpPr>
+        <p:spPr>
+          <a:xfrm>
+            <a:off x="2190122" y="4853458"/>
+            <a:ext cx="528732" cy="528730"/>
+          </a:xfrm>
+          <a:prstGeom prst="rect">
+            <a:avLst/>
+          </a:prstGeom>
+          <a:gradFill flip="none" rotWithShape="1">
+            <a:gsLst>
+              <a:gs pos="0">
+                <a:schemeClr val="accent6">
+                  <a:lumMod val="67000"/>
+                </a:schemeClr>
+              </a:gs>
+              <a:gs pos="48000">
+                <a:schemeClr val="accent6">
+                  <a:lumMod val="97000"/>
+                  <a:lumOff val="3000"/>
+                </a:schemeClr>
+              </a:gs>
+              <a:gs pos="100000">
+                <a:schemeClr val="accent6">
+                  <a:lumMod val="60000"/>
+                  <a:lumOff val="40000"/>
+                </a:schemeClr>
+              </a:gs>
+            </a:gsLst>
+            <a:lin ang="16200000" scaled="1"/>
+            <a:tileRect/>
+          </a:gradFill>
+          <a:ln>
+            <a:noFill/>
+          </a:ln>
+        </p:spPr>
+        <p:style>
+          <a:lnRef idx="0">
+            <a:scrgbClr r="0" g="0" b="0"/>
+          </a:lnRef>
+          <a:fillRef idx="0">
+            <a:scrgbClr r="0" g="0" b="0"/>
+          </a:fillRef>
+          <a:effectRef idx="0">
+            <a:scrgbClr r="0" g="0" b="0"/>
+          </a:effectRef>
+          <a:fontRef idx="minor">
+            <a:schemeClr val="lt1"/>
+          </a:fontRef>
+        </p:style>
+        <p:txBody>
+          <a:bodyPr rtlCol="0" anchor="ctr"/>
+          <a:lstStyle/>
+          <a:p>
+            <a:pPr algn="ctr"/>
+            <a:r>
+              <a:rPr lang="en-US" dirty="0"/>
+              <a:t>T</a:t>
+            </a:r>
+          </a:p>
+        </p:txBody>
+      </p:sp>
+      <p:sp>
+        <p:nvSpPr>
+          <p:cNvPr id="2" name="Speech Bubble: Rectangle 1">
+            <a:extLst>
+              <a:ext uri="{FF2B5EF4-FFF2-40B4-BE49-F238E27FC236}">
+                <a16:creationId xmlns:a16="http://schemas.microsoft.com/office/drawing/2014/main" id="{56578139-B888-4170-BE9C-3EC1137EEC2E}"/>
+              </a:ext>
+            </a:extLst>
+          </p:cNvPr>
+          <p:cNvSpPr/>
+          <p:nvPr/>
+        </p:nvSpPr>
+        <p:spPr>
+          <a:xfrm>
+            <a:off x="9017093" y="5214805"/>
+            <a:ext cx="1671622" cy="763984"/>
+          </a:xfrm>
+          <a:prstGeom prst="wedgeRectCallout">
+            <a:avLst>
+              <a:gd name="adj1" fmla="val -115777"/>
+              <a:gd name="adj2" fmla="val -39758"/>
+            </a:avLst>
+          </a:prstGeom>
+        </p:spPr>
+        <p:style>
+          <a:lnRef idx="2">
+            <a:schemeClr val="accent3">
+              <a:shade val="50000"/>
+            </a:schemeClr>
+          </a:lnRef>
+          <a:fillRef idx="1">
+            <a:schemeClr val="accent3"/>
+          </a:fillRef>
+          <a:effectRef idx="0">
+            <a:schemeClr val="accent3"/>
+          </a:effectRef>
+          <a:fontRef idx="minor">
+            <a:schemeClr val="lt1"/>
+          </a:fontRef>
+        </p:style>
+        <p:txBody>
+          <a:bodyPr rtlCol="0" anchor="ctr"/>
+          <a:lstStyle/>
+          <a:p>
+            <a:pPr algn="ctr"/>
+            <a:r>
+              <a:rPr lang="en-US" dirty="0"/>
+              <a:t>Test Double</a:t>
+            </a:r>
+          </a:p>
+          <a:p>
+            <a:pPr algn="ctr"/>
+            <a:r>
+              <a:rPr lang="en-US" dirty="0"/>
+              <a:t>(Mock)</a:t>
+            </a:r>
+          </a:p>
+        </p:txBody>
+      </p:sp>
+    </p:spTree>
+    <p:extLst>
+      <p:ext uri="{BB962C8B-B14F-4D97-AF65-F5344CB8AC3E}">
+        <p14:creationId xmlns:p14="http://schemas.microsoft.com/office/powerpoint/2010/main" val="4233801222"/>
+      </p:ext>
+    </p:extLst>
+  </p:cSld>
+  <p:clrMapOvr>
+    <a:masterClrMapping/>
+  </p:clrMapOvr>
+</p:sld>
+</file>
+
 <file path=ppt/slides/slide2.xml><?xml version="1.0" encoding="utf-8"?>
 <p:sld xmlns:a="http://schemas.openxmlformats.org/drawingml/2006/main" xmlns:r="http://schemas.openxmlformats.org/officeDocument/2006/relationships" xmlns:p="http://schemas.openxmlformats.org/presentationml/2006/main">
   <p:cSld>
@@ -6968,6 +8683,2462 @@
     <p:extLst>
       <p:ext uri="{BB962C8B-B14F-4D97-AF65-F5344CB8AC3E}">
         <p14:creationId xmlns:p14="http://schemas.microsoft.com/office/powerpoint/2010/main" val="3978083055"/>
+      </p:ext>
+    </p:extLst>
+  </p:cSld>
+  <p:clrMapOvr>
+    <a:masterClrMapping/>
+  </p:clrMapOvr>
+</p:sld>
+</file>
+
+<file path=ppt/slides/slide7.xml><?xml version="1.0" encoding="utf-8"?>
+<p:sld xmlns:a="http://schemas.openxmlformats.org/drawingml/2006/main" xmlns:r="http://schemas.openxmlformats.org/officeDocument/2006/relationships" xmlns:p="http://schemas.openxmlformats.org/presentationml/2006/main">
+  <p:cSld>
+    <p:spTree>
+      <p:nvGrpSpPr>
+        <p:cNvPr id="1" name=""/>
+        <p:cNvGrpSpPr/>
+        <p:nvPr/>
+      </p:nvGrpSpPr>
+      <p:grpSpPr>
+        <a:xfrm>
+          <a:off x="0" y="0"/>
+          <a:ext cx="0" cy="0"/>
+          <a:chOff x="0" y="0"/>
+          <a:chExt cx="0" cy="0"/>
+        </a:xfrm>
+      </p:grpSpPr>
+      <p:sp>
+        <p:nvSpPr>
+          <p:cNvPr id="9" name="Can 27">
+            <a:extLst>
+              <a:ext uri="{FF2B5EF4-FFF2-40B4-BE49-F238E27FC236}">
+                <a16:creationId xmlns:a16="http://schemas.microsoft.com/office/drawing/2014/main" id="{F8C1B985-295A-4272-8BE4-C9608E704C1E}"/>
+              </a:ext>
+            </a:extLst>
+          </p:cNvPr>
+          <p:cNvSpPr/>
+          <p:nvPr/>
+        </p:nvSpPr>
+        <p:spPr>
+          <a:xfrm>
+            <a:off x="8658576" y="2246472"/>
+            <a:ext cx="1007706" cy="1091682"/>
+          </a:xfrm>
+          <a:prstGeom prst="can">
+            <a:avLst/>
+          </a:prstGeom>
+        </p:spPr>
+        <p:style>
+          <a:lnRef idx="2">
+            <a:schemeClr val="accent1">
+              <a:shade val="50000"/>
+            </a:schemeClr>
+          </a:lnRef>
+          <a:fillRef idx="1">
+            <a:schemeClr val="accent1"/>
+          </a:fillRef>
+          <a:effectRef idx="0">
+            <a:schemeClr val="accent1"/>
+          </a:effectRef>
+          <a:fontRef idx="minor">
+            <a:schemeClr val="lt1"/>
+          </a:fontRef>
+        </p:style>
+        <p:txBody>
+          <a:bodyPr rtlCol="0" anchor="ctr"/>
+          <a:lstStyle/>
+          <a:p>
+            <a:pPr algn="ctr"/>
+            <a:endParaRPr lang="en-US"/>
+          </a:p>
+        </p:txBody>
+      </p:sp>
+      <p:cxnSp>
+        <p:nvCxnSpPr>
+          <p:cNvPr id="10" name="Straight Arrow Connector 9">
+            <a:extLst>
+              <a:ext uri="{FF2B5EF4-FFF2-40B4-BE49-F238E27FC236}">
+                <a16:creationId xmlns:a16="http://schemas.microsoft.com/office/drawing/2014/main" id="{32B96E65-32B2-4BF7-B9D2-2B3C11D7348D}"/>
+              </a:ext>
+            </a:extLst>
+          </p:cNvPr>
+          <p:cNvCxnSpPr>
+            <a:cxnSpLocks/>
+          </p:cNvCxnSpPr>
+          <p:nvPr/>
+        </p:nvCxnSpPr>
+        <p:spPr>
+          <a:xfrm>
+            <a:off x="7438939" y="3285324"/>
+            <a:ext cx="1052330" cy="0"/>
+          </a:xfrm>
+          <a:prstGeom prst="straightConnector1">
+            <a:avLst/>
+          </a:prstGeom>
+          <a:ln>
+            <a:tailEnd type="triangle"/>
+          </a:ln>
+        </p:spPr>
+        <p:style>
+          <a:lnRef idx="1">
+            <a:schemeClr val="dk1"/>
+          </a:lnRef>
+          <a:fillRef idx="0">
+            <a:schemeClr val="dk1"/>
+          </a:fillRef>
+          <a:effectRef idx="0">
+            <a:schemeClr val="dk1"/>
+          </a:effectRef>
+          <a:fontRef idx="minor">
+            <a:schemeClr val="tx1"/>
+          </a:fontRef>
+        </p:style>
+      </p:cxnSp>
+      <p:sp>
+        <p:nvSpPr>
+          <p:cNvPr id="2" name="Rectangle 1">
+            <a:extLst>
+              <a:ext uri="{FF2B5EF4-FFF2-40B4-BE49-F238E27FC236}">
+                <a16:creationId xmlns:a16="http://schemas.microsoft.com/office/drawing/2014/main" id="{519D537F-76FB-4845-848E-7D0527CFE3F1}"/>
+              </a:ext>
+            </a:extLst>
+          </p:cNvPr>
+          <p:cNvSpPr/>
+          <p:nvPr/>
+        </p:nvSpPr>
+        <p:spPr>
+          <a:xfrm>
+            <a:off x="4864963" y="2587079"/>
+            <a:ext cx="2355049" cy="1502149"/>
+          </a:xfrm>
+          <a:prstGeom prst="rect">
+            <a:avLst/>
+          </a:prstGeom>
+        </p:spPr>
+        <p:style>
+          <a:lnRef idx="0">
+            <a:schemeClr val="accent2"/>
+          </a:lnRef>
+          <a:fillRef idx="3">
+            <a:schemeClr val="accent2"/>
+          </a:fillRef>
+          <a:effectRef idx="3">
+            <a:schemeClr val="accent2"/>
+          </a:effectRef>
+          <a:fontRef idx="minor">
+            <a:schemeClr val="lt1"/>
+          </a:fontRef>
+        </p:style>
+        <p:txBody>
+          <a:bodyPr rtlCol="0" anchor="ctr"/>
+          <a:lstStyle/>
+          <a:p>
+            <a:pPr algn="ctr"/>
+            <a:r>
+              <a:rPr lang="en-US" dirty="0"/>
+              <a:t>System X</a:t>
+            </a:r>
+          </a:p>
+        </p:txBody>
+      </p:sp>
+      <p:sp>
+        <p:nvSpPr>
+          <p:cNvPr id="12" name="Can 27">
+            <a:extLst>
+              <a:ext uri="{FF2B5EF4-FFF2-40B4-BE49-F238E27FC236}">
+                <a16:creationId xmlns:a16="http://schemas.microsoft.com/office/drawing/2014/main" id="{5D81F751-DED3-43DE-941B-AFFA09BD3D45}"/>
+              </a:ext>
+            </a:extLst>
+          </p:cNvPr>
+          <p:cNvSpPr/>
+          <p:nvPr/>
+        </p:nvSpPr>
+        <p:spPr>
+          <a:xfrm>
+            <a:off x="8741323" y="2792313"/>
+            <a:ext cx="1007706" cy="1091682"/>
+          </a:xfrm>
+          <a:prstGeom prst="can">
+            <a:avLst/>
+          </a:prstGeom>
+        </p:spPr>
+        <p:style>
+          <a:lnRef idx="2">
+            <a:schemeClr val="accent1">
+              <a:shade val="50000"/>
+            </a:schemeClr>
+          </a:lnRef>
+          <a:fillRef idx="1">
+            <a:schemeClr val="accent1"/>
+          </a:fillRef>
+          <a:effectRef idx="0">
+            <a:schemeClr val="accent1"/>
+          </a:effectRef>
+          <a:fontRef idx="minor">
+            <a:schemeClr val="lt1"/>
+          </a:fontRef>
+        </p:style>
+        <p:txBody>
+          <a:bodyPr rtlCol="0" anchor="ctr"/>
+          <a:lstStyle/>
+          <a:p>
+            <a:pPr algn="ctr"/>
+            <a:endParaRPr lang="en-US"/>
+          </a:p>
+        </p:txBody>
+      </p:sp>
+      <p:sp>
+        <p:nvSpPr>
+          <p:cNvPr id="13" name="Can 27">
+            <a:extLst>
+              <a:ext uri="{FF2B5EF4-FFF2-40B4-BE49-F238E27FC236}">
+                <a16:creationId xmlns:a16="http://schemas.microsoft.com/office/drawing/2014/main" id="{2B6806CB-2DD2-4890-B9A5-22AD36AA73DE}"/>
+              </a:ext>
+            </a:extLst>
+          </p:cNvPr>
+          <p:cNvSpPr/>
+          <p:nvPr/>
+        </p:nvSpPr>
+        <p:spPr>
+          <a:xfrm>
+            <a:off x="8908630" y="3411245"/>
+            <a:ext cx="1007706" cy="1091682"/>
+          </a:xfrm>
+          <a:prstGeom prst="can">
+            <a:avLst/>
+          </a:prstGeom>
+        </p:spPr>
+        <p:style>
+          <a:lnRef idx="2">
+            <a:schemeClr val="accent1">
+              <a:shade val="50000"/>
+            </a:schemeClr>
+          </a:lnRef>
+          <a:fillRef idx="1">
+            <a:schemeClr val="accent1"/>
+          </a:fillRef>
+          <a:effectRef idx="0">
+            <a:schemeClr val="accent1"/>
+          </a:effectRef>
+          <a:fontRef idx="minor">
+            <a:schemeClr val="lt1"/>
+          </a:fontRef>
+        </p:style>
+        <p:txBody>
+          <a:bodyPr rtlCol="0" anchor="ctr"/>
+          <a:lstStyle/>
+          <a:p>
+            <a:pPr algn="ctr"/>
+            <a:endParaRPr lang="en-US"/>
+          </a:p>
+        </p:txBody>
+      </p:sp>
+      <p:sp>
+        <p:nvSpPr>
+          <p:cNvPr id="4" name="Smiley Face 3">
+            <a:extLst>
+              <a:ext uri="{FF2B5EF4-FFF2-40B4-BE49-F238E27FC236}">
+                <a16:creationId xmlns:a16="http://schemas.microsoft.com/office/drawing/2014/main" id="{7CEEB3CF-614D-4841-A33C-A4A059AB06B0}"/>
+              </a:ext>
+            </a:extLst>
+          </p:cNvPr>
+          <p:cNvSpPr/>
+          <p:nvPr/>
+        </p:nvSpPr>
+        <p:spPr>
+          <a:xfrm>
+            <a:off x="2437168" y="2892333"/>
+            <a:ext cx="814885" cy="754602"/>
+          </a:xfrm>
+          <a:prstGeom prst="smileyFace">
+            <a:avLst/>
+          </a:prstGeom>
+        </p:spPr>
+        <p:style>
+          <a:lnRef idx="2">
+            <a:schemeClr val="dk1"/>
+          </a:lnRef>
+          <a:fillRef idx="1">
+            <a:schemeClr val="lt1"/>
+          </a:fillRef>
+          <a:effectRef idx="0">
+            <a:schemeClr val="dk1"/>
+          </a:effectRef>
+          <a:fontRef idx="minor">
+            <a:schemeClr val="dk1"/>
+          </a:fontRef>
+        </p:style>
+        <p:txBody>
+          <a:bodyPr rtlCol="0" anchor="ctr"/>
+          <a:lstStyle/>
+          <a:p>
+            <a:pPr algn="ctr"/>
+            <a:endParaRPr lang="en-US"/>
+          </a:p>
+        </p:txBody>
+      </p:sp>
+      <p:cxnSp>
+        <p:nvCxnSpPr>
+          <p:cNvPr id="16" name="Straight Arrow Connector 15">
+            <a:extLst>
+              <a:ext uri="{FF2B5EF4-FFF2-40B4-BE49-F238E27FC236}">
+                <a16:creationId xmlns:a16="http://schemas.microsoft.com/office/drawing/2014/main" id="{77383AD2-DB82-4316-BBA7-E060404A1E5D}"/>
+              </a:ext>
+            </a:extLst>
+          </p:cNvPr>
+          <p:cNvCxnSpPr>
+            <a:cxnSpLocks/>
+          </p:cNvCxnSpPr>
+          <p:nvPr/>
+        </p:nvCxnSpPr>
+        <p:spPr>
+          <a:xfrm>
+            <a:off x="3525367" y="3285324"/>
+            <a:ext cx="1052330" cy="0"/>
+          </a:xfrm>
+          <a:prstGeom prst="straightConnector1">
+            <a:avLst/>
+          </a:prstGeom>
+          <a:ln>
+            <a:tailEnd type="triangle"/>
+          </a:ln>
+        </p:spPr>
+        <p:style>
+          <a:lnRef idx="1">
+            <a:schemeClr val="dk1"/>
+          </a:lnRef>
+          <a:fillRef idx="0">
+            <a:schemeClr val="dk1"/>
+          </a:fillRef>
+          <a:effectRef idx="0">
+            <a:schemeClr val="dk1"/>
+          </a:effectRef>
+          <a:fontRef idx="minor">
+            <a:schemeClr val="tx1"/>
+          </a:fontRef>
+        </p:style>
+      </p:cxnSp>
+      <p:sp>
+        <p:nvSpPr>
+          <p:cNvPr id="5" name="TextBox 4">
+            <a:extLst>
+              <a:ext uri="{FF2B5EF4-FFF2-40B4-BE49-F238E27FC236}">
+                <a16:creationId xmlns:a16="http://schemas.microsoft.com/office/drawing/2014/main" id="{731CE0A1-E06D-4669-A750-EBC21941033E}"/>
+              </a:ext>
+            </a:extLst>
+          </p:cNvPr>
+          <p:cNvSpPr txBox="1"/>
+          <p:nvPr/>
+        </p:nvSpPr>
+        <p:spPr>
+          <a:xfrm>
+            <a:off x="772357" y="790113"/>
+            <a:ext cx="1634935" cy="369332"/>
+          </a:xfrm>
+          <a:prstGeom prst="rect">
+            <a:avLst/>
+          </a:prstGeom>
+          <a:noFill/>
+        </p:spPr>
+        <p:txBody>
+          <a:bodyPr wrap="none" rtlCol="0">
+            <a:spAutoFit/>
+          </a:bodyPr>
+          <a:lstStyle/>
+          <a:p>
+            <a:r>
+              <a:rPr lang="en-US" dirty="0"/>
+              <a:t>A Natural Seam</a:t>
+            </a:r>
+          </a:p>
+        </p:txBody>
+      </p:sp>
+    </p:spTree>
+    <p:extLst>
+      <p:ext uri="{BB962C8B-B14F-4D97-AF65-F5344CB8AC3E}">
+        <p14:creationId xmlns:p14="http://schemas.microsoft.com/office/powerpoint/2010/main" val="2556652541"/>
+      </p:ext>
+    </p:extLst>
+  </p:cSld>
+  <p:clrMapOvr>
+    <a:masterClrMapping/>
+  </p:clrMapOvr>
+</p:sld>
+</file>
+
+<file path=ppt/slides/slide8.xml><?xml version="1.0" encoding="utf-8"?>
+<p:sld xmlns:a="http://schemas.openxmlformats.org/drawingml/2006/main" xmlns:r="http://schemas.openxmlformats.org/officeDocument/2006/relationships" xmlns:p="http://schemas.openxmlformats.org/presentationml/2006/main">
+  <p:cSld>
+    <p:spTree>
+      <p:nvGrpSpPr>
+        <p:cNvPr id="1" name=""/>
+        <p:cNvGrpSpPr/>
+        <p:nvPr/>
+      </p:nvGrpSpPr>
+      <p:grpSpPr>
+        <a:xfrm>
+          <a:off x="0" y="0"/>
+          <a:ext cx="0" cy="0"/>
+          <a:chOff x="0" y="0"/>
+          <a:chExt cx="0" cy="0"/>
+        </a:xfrm>
+      </p:grpSpPr>
+      <p:sp>
+        <p:nvSpPr>
+          <p:cNvPr id="9" name="Can 27">
+            <a:extLst>
+              <a:ext uri="{FF2B5EF4-FFF2-40B4-BE49-F238E27FC236}">
+                <a16:creationId xmlns:a16="http://schemas.microsoft.com/office/drawing/2014/main" id="{F8C1B985-295A-4272-8BE4-C9608E704C1E}"/>
+              </a:ext>
+            </a:extLst>
+          </p:cNvPr>
+          <p:cNvSpPr/>
+          <p:nvPr/>
+        </p:nvSpPr>
+        <p:spPr>
+          <a:xfrm>
+            <a:off x="8658576" y="2246472"/>
+            <a:ext cx="1007706" cy="1091682"/>
+          </a:xfrm>
+          <a:prstGeom prst="can">
+            <a:avLst/>
+          </a:prstGeom>
+        </p:spPr>
+        <p:style>
+          <a:lnRef idx="2">
+            <a:schemeClr val="accent1">
+              <a:shade val="50000"/>
+            </a:schemeClr>
+          </a:lnRef>
+          <a:fillRef idx="1">
+            <a:schemeClr val="accent1"/>
+          </a:fillRef>
+          <a:effectRef idx="0">
+            <a:schemeClr val="accent1"/>
+          </a:effectRef>
+          <a:fontRef idx="minor">
+            <a:schemeClr val="lt1"/>
+          </a:fontRef>
+        </p:style>
+        <p:txBody>
+          <a:bodyPr rtlCol="0" anchor="ctr"/>
+          <a:lstStyle/>
+          <a:p>
+            <a:pPr algn="ctr"/>
+            <a:endParaRPr lang="en-US"/>
+          </a:p>
+        </p:txBody>
+      </p:sp>
+      <p:sp>
+        <p:nvSpPr>
+          <p:cNvPr id="2" name="Rectangle 1">
+            <a:extLst>
+              <a:ext uri="{FF2B5EF4-FFF2-40B4-BE49-F238E27FC236}">
+                <a16:creationId xmlns:a16="http://schemas.microsoft.com/office/drawing/2014/main" id="{519D537F-76FB-4845-848E-7D0527CFE3F1}"/>
+              </a:ext>
+            </a:extLst>
+          </p:cNvPr>
+          <p:cNvSpPr/>
+          <p:nvPr/>
+        </p:nvSpPr>
+        <p:spPr>
+          <a:xfrm>
+            <a:off x="4864963" y="2587079"/>
+            <a:ext cx="2355049" cy="1502149"/>
+          </a:xfrm>
+          <a:prstGeom prst="rect">
+            <a:avLst/>
+          </a:prstGeom>
+        </p:spPr>
+        <p:style>
+          <a:lnRef idx="0">
+            <a:schemeClr val="accent2"/>
+          </a:lnRef>
+          <a:fillRef idx="3">
+            <a:schemeClr val="accent2"/>
+          </a:fillRef>
+          <a:effectRef idx="3">
+            <a:schemeClr val="accent2"/>
+          </a:effectRef>
+          <a:fontRef idx="minor">
+            <a:schemeClr val="lt1"/>
+          </a:fontRef>
+        </p:style>
+        <p:txBody>
+          <a:bodyPr rtlCol="0" anchor="ctr"/>
+          <a:lstStyle/>
+          <a:p>
+            <a:pPr algn="ctr"/>
+            <a:r>
+              <a:rPr lang="en-US" dirty="0"/>
+              <a:t>System X</a:t>
+            </a:r>
+          </a:p>
+        </p:txBody>
+      </p:sp>
+      <p:sp>
+        <p:nvSpPr>
+          <p:cNvPr id="12" name="Can 27">
+            <a:extLst>
+              <a:ext uri="{FF2B5EF4-FFF2-40B4-BE49-F238E27FC236}">
+                <a16:creationId xmlns:a16="http://schemas.microsoft.com/office/drawing/2014/main" id="{5D81F751-DED3-43DE-941B-AFFA09BD3D45}"/>
+              </a:ext>
+            </a:extLst>
+          </p:cNvPr>
+          <p:cNvSpPr/>
+          <p:nvPr/>
+        </p:nvSpPr>
+        <p:spPr>
+          <a:xfrm>
+            <a:off x="8741323" y="2792313"/>
+            <a:ext cx="1007706" cy="1091682"/>
+          </a:xfrm>
+          <a:prstGeom prst="can">
+            <a:avLst/>
+          </a:prstGeom>
+        </p:spPr>
+        <p:style>
+          <a:lnRef idx="2">
+            <a:schemeClr val="accent1">
+              <a:shade val="50000"/>
+            </a:schemeClr>
+          </a:lnRef>
+          <a:fillRef idx="1">
+            <a:schemeClr val="accent1"/>
+          </a:fillRef>
+          <a:effectRef idx="0">
+            <a:schemeClr val="accent1"/>
+          </a:effectRef>
+          <a:fontRef idx="minor">
+            <a:schemeClr val="lt1"/>
+          </a:fontRef>
+        </p:style>
+        <p:txBody>
+          <a:bodyPr rtlCol="0" anchor="ctr"/>
+          <a:lstStyle/>
+          <a:p>
+            <a:pPr algn="ctr"/>
+            <a:endParaRPr lang="en-US"/>
+          </a:p>
+        </p:txBody>
+      </p:sp>
+      <p:sp>
+        <p:nvSpPr>
+          <p:cNvPr id="13" name="Can 27">
+            <a:extLst>
+              <a:ext uri="{FF2B5EF4-FFF2-40B4-BE49-F238E27FC236}">
+                <a16:creationId xmlns:a16="http://schemas.microsoft.com/office/drawing/2014/main" id="{2B6806CB-2DD2-4890-B9A5-22AD36AA73DE}"/>
+              </a:ext>
+            </a:extLst>
+          </p:cNvPr>
+          <p:cNvSpPr/>
+          <p:nvPr/>
+        </p:nvSpPr>
+        <p:spPr>
+          <a:xfrm>
+            <a:off x="8908630" y="3411245"/>
+            <a:ext cx="1007706" cy="1091682"/>
+          </a:xfrm>
+          <a:prstGeom prst="can">
+            <a:avLst/>
+          </a:prstGeom>
+        </p:spPr>
+        <p:style>
+          <a:lnRef idx="2">
+            <a:schemeClr val="accent1">
+              <a:shade val="50000"/>
+            </a:schemeClr>
+          </a:lnRef>
+          <a:fillRef idx="1">
+            <a:schemeClr val="accent1"/>
+          </a:fillRef>
+          <a:effectRef idx="0">
+            <a:schemeClr val="accent1"/>
+          </a:effectRef>
+          <a:fontRef idx="minor">
+            <a:schemeClr val="lt1"/>
+          </a:fontRef>
+        </p:style>
+        <p:txBody>
+          <a:bodyPr rtlCol="0" anchor="ctr"/>
+          <a:lstStyle/>
+          <a:p>
+            <a:pPr algn="ctr"/>
+            <a:endParaRPr lang="en-US"/>
+          </a:p>
+        </p:txBody>
+      </p:sp>
+      <p:sp>
+        <p:nvSpPr>
+          <p:cNvPr id="5" name="TextBox 4">
+            <a:extLst>
+              <a:ext uri="{FF2B5EF4-FFF2-40B4-BE49-F238E27FC236}">
+                <a16:creationId xmlns:a16="http://schemas.microsoft.com/office/drawing/2014/main" id="{731CE0A1-E06D-4669-A750-EBC21941033E}"/>
+              </a:ext>
+            </a:extLst>
+          </p:cNvPr>
+          <p:cNvSpPr txBox="1"/>
+          <p:nvPr/>
+        </p:nvSpPr>
+        <p:spPr>
+          <a:xfrm>
+            <a:off x="772357" y="790113"/>
+            <a:ext cx="1634935" cy="369332"/>
+          </a:xfrm>
+          <a:prstGeom prst="rect">
+            <a:avLst/>
+          </a:prstGeom>
+          <a:noFill/>
+        </p:spPr>
+        <p:txBody>
+          <a:bodyPr wrap="none" rtlCol="0">
+            <a:spAutoFit/>
+          </a:bodyPr>
+          <a:lstStyle/>
+          <a:p>
+            <a:r>
+              <a:rPr lang="en-US" dirty="0"/>
+              <a:t>A Natural Seam</a:t>
+            </a:r>
+          </a:p>
+        </p:txBody>
+      </p:sp>
+      <p:sp>
+        <p:nvSpPr>
+          <p:cNvPr id="17" name="Rectangle 16">
+            <a:extLst>
+              <a:ext uri="{FF2B5EF4-FFF2-40B4-BE49-F238E27FC236}">
+                <a16:creationId xmlns:a16="http://schemas.microsoft.com/office/drawing/2014/main" id="{1BA224AD-D1EB-49BD-9359-21D7C09D776F}"/>
+              </a:ext>
+            </a:extLst>
+          </p:cNvPr>
+          <p:cNvSpPr/>
+          <p:nvPr/>
+        </p:nvSpPr>
+        <p:spPr>
+          <a:xfrm>
+            <a:off x="2525718" y="2417927"/>
+            <a:ext cx="528732" cy="528730"/>
+          </a:xfrm>
+          <a:prstGeom prst="rect">
+            <a:avLst/>
+          </a:prstGeom>
+          <a:gradFill flip="none" rotWithShape="1">
+            <a:gsLst>
+              <a:gs pos="0">
+                <a:schemeClr val="accent6">
+                  <a:lumMod val="67000"/>
+                </a:schemeClr>
+              </a:gs>
+              <a:gs pos="48000">
+                <a:schemeClr val="accent6">
+                  <a:lumMod val="97000"/>
+                  <a:lumOff val="3000"/>
+                </a:schemeClr>
+              </a:gs>
+              <a:gs pos="100000">
+                <a:schemeClr val="accent6">
+                  <a:lumMod val="60000"/>
+                  <a:lumOff val="40000"/>
+                </a:schemeClr>
+              </a:gs>
+            </a:gsLst>
+            <a:lin ang="16200000" scaled="1"/>
+            <a:tileRect/>
+          </a:gradFill>
+          <a:ln>
+            <a:noFill/>
+          </a:ln>
+        </p:spPr>
+        <p:style>
+          <a:lnRef idx="0">
+            <a:scrgbClr r="0" g="0" b="0"/>
+          </a:lnRef>
+          <a:fillRef idx="0">
+            <a:scrgbClr r="0" g="0" b="0"/>
+          </a:fillRef>
+          <a:effectRef idx="0">
+            <a:scrgbClr r="0" g="0" b="0"/>
+          </a:effectRef>
+          <a:fontRef idx="minor">
+            <a:schemeClr val="lt1"/>
+          </a:fontRef>
+        </p:style>
+        <p:txBody>
+          <a:bodyPr rtlCol="0" anchor="ctr"/>
+          <a:lstStyle/>
+          <a:p>
+            <a:pPr algn="ctr"/>
+            <a:r>
+              <a:rPr lang="en-US" dirty="0"/>
+              <a:t>T</a:t>
+            </a:r>
+          </a:p>
+        </p:txBody>
+      </p:sp>
+      <p:sp>
+        <p:nvSpPr>
+          <p:cNvPr id="18" name="Rectangle 17">
+            <a:extLst>
+              <a:ext uri="{FF2B5EF4-FFF2-40B4-BE49-F238E27FC236}">
+                <a16:creationId xmlns:a16="http://schemas.microsoft.com/office/drawing/2014/main" id="{C06510CF-0BC7-402C-BBB1-779036331096}"/>
+              </a:ext>
+            </a:extLst>
+          </p:cNvPr>
+          <p:cNvSpPr/>
+          <p:nvPr/>
+        </p:nvSpPr>
+        <p:spPr>
+          <a:xfrm>
+            <a:off x="2525718" y="3073789"/>
+            <a:ext cx="528732" cy="528730"/>
+          </a:xfrm>
+          <a:prstGeom prst="rect">
+            <a:avLst/>
+          </a:prstGeom>
+          <a:gradFill flip="none" rotWithShape="1">
+            <a:gsLst>
+              <a:gs pos="0">
+                <a:schemeClr val="accent6">
+                  <a:lumMod val="67000"/>
+                </a:schemeClr>
+              </a:gs>
+              <a:gs pos="48000">
+                <a:schemeClr val="accent6">
+                  <a:lumMod val="97000"/>
+                  <a:lumOff val="3000"/>
+                </a:schemeClr>
+              </a:gs>
+              <a:gs pos="100000">
+                <a:schemeClr val="accent6">
+                  <a:lumMod val="60000"/>
+                  <a:lumOff val="40000"/>
+                </a:schemeClr>
+              </a:gs>
+            </a:gsLst>
+            <a:lin ang="16200000" scaled="1"/>
+            <a:tileRect/>
+          </a:gradFill>
+          <a:ln>
+            <a:noFill/>
+          </a:ln>
+        </p:spPr>
+        <p:style>
+          <a:lnRef idx="0">
+            <a:scrgbClr r="0" g="0" b="0"/>
+          </a:lnRef>
+          <a:fillRef idx="0">
+            <a:scrgbClr r="0" g="0" b="0"/>
+          </a:fillRef>
+          <a:effectRef idx="0">
+            <a:scrgbClr r="0" g="0" b="0"/>
+          </a:effectRef>
+          <a:fontRef idx="minor">
+            <a:schemeClr val="lt1"/>
+          </a:fontRef>
+        </p:style>
+        <p:txBody>
+          <a:bodyPr rtlCol="0" anchor="ctr"/>
+          <a:lstStyle/>
+          <a:p>
+            <a:pPr algn="ctr"/>
+            <a:r>
+              <a:rPr lang="en-US" dirty="0"/>
+              <a:t>T</a:t>
+            </a:r>
+          </a:p>
+        </p:txBody>
+      </p:sp>
+      <p:sp>
+        <p:nvSpPr>
+          <p:cNvPr id="19" name="Rectangle 18">
+            <a:extLst>
+              <a:ext uri="{FF2B5EF4-FFF2-40B4-BE49-F238E27FC236}">
+                <a16:creationId xmlns:a16="http://schemas.microsoft.com/office/drawing/2014/main" id="{0EF67161-02EF-4CB1-9DBC-581116F70C8B}"/>
+              </a:ext>
+            </a:extLst>
+          </p:cNvPr>
+          <p:cNvSpPr/>
+          <p:nvPr/>
+        </p:nvSpPr>
+        <p:spPr>
+          <a:xfrm>
+            <a:off x="2525718" y="3729651"/>
+            <a:ext cx="528732" cy="528730"/>
+          </a:xfrm>
+          <a:prstGeom prst="rect">
+            <a:avLst/>
+          </a:prstGeom>
+          <a:gradFill flip="none" rotWithShape="1">
+            <a:gsLst>
+              <a:gs pos="0">
+                <a:schemeClr val="accent6">
+                  <a:lumMod val="67000"/>
+                </a:schemeClr>
+              </a:gs>
+              <a:gs pos="48000">
+                <a:schemeClr val="accent6">
+                  <a:lumMod val="97000"/>
+                  <a:lumOff val="3000"/>
+                </a:schemeClr>
+              </a:gs>
+              <a:gs pos="100000">
+                <a:schemeClr val="accent6">
+                  <a:lumMod val="60000"/>
+                  <a:lumOff val="40000"/>
+                </a:schemeClr>
+              </a:gs>
+            </a:gsLst>
+            <a:lin ang="16200000" scaled="1"/>
+            <a:tileRect/>
+          </a:gradFill>
+          <a:ln>
+            <a:noFill/>
+          </a:ln>
+        </p:spPr>
+        <p:style>
+          <a:lnRef idx="0">
+            <a:scrgbClr r="0" g="0" b="0"/>
+          </a:lnRef>
+          <a:fillRef idx="0">
+            <a:scrgbClr r="0" g="0" b="0"/>
+          </a:fillRef>
+          <a:effectRef idx="0">
+            <a:scrgbClr r="0" g="0" b="0"/>
+          </a:effectRef>
+          <a:fontRef idx="minor">
+            <a:schemeClr val="lt1"/>
+          </a:fontRef>
+        </p:style>
+        <p:txBody>
+          <a:bodyPr rtlCol="0" anchor="ctr"/>
+          <a:lstStyle/>
+          <a:p>
+            <a:pPr algn="ctr"/>
+            <a:r>
+              <a:rPr lang="en-US" dirty="0"/>
+              <a:t>T</a:t>
+            </a:r>
+          </a:p>
+        </p:txBody>
+      </p:sp>
+      <p:sp>
+        <p:nvSpPr>
+          <p:cNvPr id="3" name="Arrow: Curved Up 2">
+            <a:extLst>
+              <a:ext uri="{FF2B5EF4-FFF2-40B4-BE49-F238E27FC236}">
+                <a16:creationId xmlns:a16="http://schemas.microsoft.com/office/drawing/2014/main" id="{FBC2EA67-66BE-42AE-9147-2E6F6987D843}"/>
+              </a:ext>
+            </a:extLst>
+          </p:cNvPr>
+          <p:cNvSpPr/>
+          <p:nvPr/>
+        </p:nvSpPr>
+        <p:spPr>
+          <a:xfrm>
+            <a:off x="2632649" y="4708160"/>
+            <a:ext cx="6671149" cy="905522"/>
+          </a:xfrm>
+          <a:prstGeom prst="curvedUpArrow">
+            <a:avLst/>
+          </a:prstGeom>
+        </p:spPr>
+        <p:style>
+          <a:lnRef idx="2">
+            <a:schemeClr val="dk1">
+              <a:shade val="50000"/>
+            </a:schemeClr>
+          </a:lnRef>
+          <a:fillRef idx="1">
+            <a:schemeClr val="dk1"/>
+          </a:fillRef>
+          <a:effectRef idx="0">
+            <a:schemeClr val="dk1"/>
+          </a:effectRef>
+          <a:fontRef idx="minor">
+            <a:schemeClr val="lt1"/>
+          </a:fontRef>
+        </p:style>
+        <p:txBody>
+          <a:bodyPr rtlCol="0" anchor="ctr"/>
+          <a:lstStyle/>
+          <a:p>
+            <a:pPr algn="ctr"/>
+            <a:endParaRPr lang="en-US">
+              <a:solidFill>
+                <a:schemeClr val="tx1"/>
+              </a:solidFill>
+            </a:endParaRPr>
+          </a:p>
+        </p:txBody>
+      </p:sp>
+      <p:cxnSp>
+        <p:nvCxnSpPr>
+          <p:cNvPr id="20" name="Straight Arrow Connector 19">
+            <a:extLst>
+              <a:ext uri="{FF2B5EF4-FFF2-40B4-BE49-F238E27FC236}">
+                <a16:creationId xmlns:a16="http://schemas.microsoft.com/office/drawing/2014/main" id="{FE005039-D392-49D0-B98D-B121CA223A4E}"/>
+              </a:ext>
+            </a:extLst>
+          </p:cNvPr>
+          <p:cNvCxnSpPr>
+            <a:cxnSpLocks/>
+          </p:cNvCxnSpPr>
+          <p:nvPr/>
+        </p:nvCxnSpPr>
+        <p:spPr>
+          <a:xfrm>
+            <a:off x="3525367" y="3285324"/>
+            <a:ext cx="1052330" cy="0"/>
+          </a:xfrm>
+          <a:prstGeom prst="straightConnector1">
+            <a:avLst/>
+          </a:prstGeom>
+          <a:ln>
+            <a:tailEnd type="triangle"/>
+          </a:ln>
+        </p:spPr>
+        <p:style>
+          <a:lnRef idx="1">
+            <a:schemeClr val="dk1"/>
+          </a:lnRef>
+          <a:fillRef idx="0">
+            <a:schemeClr val="dk1"/>
+          </a:fillRef>
+          <a:effectRef idx="0">
+            <a:schemeClr val="dk1"/>
+          </a:effectRef>
+          <a:fontRef idx="minor">
+            <a:schemeClr val="tx1"/>
+          </a:fontRef>
+        </p:style>
+      </p:cxnSp>
+      <p:cxnSp>
+        <p:nvCxnSpPr>
+          <p:cNvPr id="21" name="Straight Arrow Connector 20">
+            <a:extLst>
+              <a:ext uri="{FF2B5EF4-FFF2-40B4-BE49-F238E27FC236}">
+                <a16:creationId xmlns:a16="http://schemas.microsoft.com/office/drawing/2014/main" id="{0AF8265D-3716-492B-9425-3C1EEE3052FE}"/>
+              </a:ext>
+            </a:extLst>
+          </p:cNvPr>
+          <p:cNvCxnSpPr>
+            <a:cxnSpLocks/>
+          </p:cNvCxnSpPr>
+          <p:nvPr/>
+        </p:nvCxnSpPr>
+        <p:spPr>
+          <a:xfrm>
+            <a:off x="7438939" y="3285324"/>
+            <a:ext cx="1052330" cy="0"/>
+          </a:xfrm>
+          <a:prstGeom prst="straightConnector1">
+            <a:avLst/>
+          </a:prstGeom>
+          <a:ln>
+            <a:tailEnd type="triangle"/>
+          </a:ln>
+        </p:spPr>
+        <p:style>
+          <a:lnRef idx="1">
+            <a:schemeClr val="dk1"/>
+          </a:lnRef>
+          <a:fillRef idx="0">
+            <a:schemeClr val="dk1"/>
+          </a:fillRef>
+          <a:effectRef idx="0">
+            <a:schemeClr val="dk1"/>
+          </a:effectRef>
+          <a:fontRef idx="minor">
+            <a:schemeClr val="tx1"/>
+          </a:fontRef>
+        </p:style>
+      </p:cxnSp>
+    </p:spTree>
+    <p:extLst>
+      <p:ext uri="{BB962C8B-B14F-4D97-AF65-F5344CB8AC3E}">
+        <p14:creationId xmlns:p14="http://schemas.microsoft.com/office/powerpoint/2010/main" val="1602152827"/>
+      </p:ext>
+    </p:extLst>
+  </p:cSld>
+  <p:clrMapOvr>
+    <a:masterClrMapping/>
+  </p:clrMapOvr>
+</p:sld>
+</file>
+
+<file path=ppt/slides/slide9.xml><?xml version="1.0" encoding="utf-8"?>
+<p:sld xmlns:a="http://schemas.openxmlformats.org/drawingml/2006/main" xmlns:r="http://schemas.openxmlformats.org/officeDocument/2006/relationships" xmlns:p="http://schemas.openxmlformats.org/presentationml/2006/main">
+  <p:cSld>
+    <p:spTree>
+      <p:nvGrpSpPr>
+        <p:cNvPr id="1" name=""/>
+        <p:cNvGrpSpPr/>
+        <p:nvPr/>
+      </p:nvGrpSpPr>
+      <p:grpSpPr>
+        <a:xfrm>
+          <a:off x="0" y="0"/>
+          <a:ext cx="0" cy="0"/>
+          <a:chOff x="0" y="0"/>
+          <a:chExt cx="0" cy="0"/>
+        </a:xfrm>
+      </p:grpSpPr>
+      <p:sp>
+        <p:nvSpPr>
+          <p:cNvPr id="3" name="Rounded Rectangle 2"/>
+          <p:cNvSpPr/>
+          <p:nvPr/>
+        </p:nvSpPr>
+        <p:spPr>
+          <a:xfrm>
+            <a:off x="4024121" y="1093221"/>
+            <a:ext cx="4493481" cy="4833258"/>
+          </a:xfrm>
+          <a:prstGeom prst="roundRect">
+            <a:avLst/>
+          </a:prstGeom>
+          <a:noFill/>
+          <a:ln w="9525" cap="flat" cmpd="sng" algn="ctr">
+            <a:solidFill>
+              <a:schemeClr val="dk1"/>
+            </a:solidFill>
+            <a:prstDash val="solid"/>
+            <a:round/>
+            <a:headEnd type="none" w="med" len="med"/>
+            <a:tailEnd type="none" w="med" len="med"/>
+          </a:ln>
+        </p:spPr>
+        <p:style>
+          <a:lnRef idx="0">
+            <a:scrgbClr r="0" g="0" b="0"/>
+          </a:lnRef>
+          <a:fillRef idx="0">
+            <a:scrgbClr r="0" g="0" b="0"/>
+          </a:fillRef>
+          <a:effectRef idx="0">
+            <a:scrgbClr r="0" g="0" b="0"/>
+          </a:effectRef>
+          <a:fontRef idx="minor">
+            <a:schemeClr val="dk1"/>
+          </a:fontRef>
+        </p:style>
+        <p:txBody>
+          <a:bodyPr rtlCol="0" anchor="ctr"/>
+          <a:lstStyle/>
+          <a:p>
+            <a:pPr algn="ctr"/>
+            <a:endParaRPr lang="en-US"/>
+          </a:p>
+        </p:txBody>
+      </p:sp>
+      <p:sp>
+        <p:nvSpPr>
+          <p:cNvPr id="4" name="Oval 3"/>
+          <p:cNvSpPr/>
+          <p:nvPr/>
+        </p:nvSpPr>
+        <p:spPr>
+          <a:xfrm>
+            <a:off x="4294709" y="3214381"/>
+            <a:ext cx="597159" cy="597159"/>
+          </a:xfrm>
+          <a:prstGeom prst="ellipse">
+            <a:avLst/>
+          </a:prstGeom>
+        </p:spPr>
+        <p:style>
+          <a:lnRef idx="0">
+            <a:schemeClr val="accent2"/>
+          </a:lnRef>
+          <a:fillRef idx="3">
+            <a:schemeClr val="accent2"/>
+          </a:fillRef>
+          <a:effectRef idx="3">
+            <a:schemeClr val="accent2"/>
+          </a:effectRef>
+          <a:fontRef idx="minor">
+            <a:schemeClr val="lt1"/>
+          </a:fontRef>
+        </p:style>
+        <p:txBody>
+          <a:bodyPr rtlCol="0" anchor="ctr"/>
+          <a:lstStyle/>
+          <a:p>
+            <a:pPr algn="ctr"/>
+            <a:r>
+              <a:rPr lang="en-US" sz="1600" dirty="0"/>
+              <a:t>F1</a:t>
+            </a:r>
+          </a:p>
+        </p:txBody>
+      </p:sp>
+      <p:sp>
+        <p:nvSpPr>
+          <p:cNvPr id="5" name="Oval 4"/>
+          <p:cNvSpPr/>
+          <p:nvPr/>
+        </p:nvSpPr>
+        <p:spPr>
+          <a:xfrm>
+            <a:off x="5361508" y="2617222"/>
+            <a:ext cx="597159" cy="597159"/>
+          </a:xfrm>
+          <a:prstGeom prst="ellipse">
+            <a:avLst/>
+          </a:prstGeom>
+        </p:spPr>
+        <p:style>
+          <a:lnRef idx="0">
+            <a:schemeClr val="accent2"/>
+          </a:lnRef>
+          <a:fillRef idx="3">
+            <a:schemeClr val="accent2"/>
+          </a:fillRef>
+          <a:effectRef idx="3">
+            <a:schemeClr val="accent2"/>
+          </a:effectRef>
+          <a:fontRef idx="minor">
+            <a:schemeClr val="lt1"/>
+          </a:fontRef>
+        </p:style>
+        <p:txBody>
+          <a:bodyPr rtlCol="0" anchor="ctr"/>
+          <a:lstStyle/>
+          <a:p>
+            <a:pPr algn="ctr"/>
+            <a:r>
+              <a:rPr lang="en-US" sz="1600" dirty="0"/>
+              <a:t>R1</a:t>
+            </a:r>
+          </a:p>
+        </p:txBody>
+      </p:sp>
+      <p:sp>
+        <p:nvSpPr>
+          <p:cNvPr id="6" name="Oval 5"/>
+          <p:cNvSpPr/>
+          <p:nvPr/>
+        </p:nvSpPr>
+        <p:spPr>
+          <a:xfrm>
+            <a:off x="5361508" y="3808430"/>
+            <a:ext cx="597159" cy="597159"/>
+          </a:xfrm>
+          <a:prstGeom prst="ellipse">
+            <a:avLst/>
+          </a:prstGeom>
+        </p:spPr>
+        <p:style>
+          <a:lnRef idx="0">
+            <a:schemeClr val="accent2"/>
+          </a:lnRef>
+          <a:fillRef idx="3">
+            <a:schemeClr val="accent2"/>
+          </a:fillRef>
+          <a:effectRef idx="3">
+            <a:schemeClr val="accent2"/>
+          </a:effectRef>
+          <a:fontRef idx="minor">
+            <a:schemeClr val="lt1"/>
+          </a:fontRef>
+        </p:style>
+        <p:txBody>
+          <a:bodyPr rtlCol="0" anchor="ctr"/>
+          <a:lstStyle/>
+          <a:p>
+            <a:pPr algn="ctr"/>
+            <a:r>
+              <a:rPr lang="en-US" sz="1600" dirty="0"/>
+              <a:t>R2</a:t>
+            </a:r>
+          </a:p>
+        </p:txBody>
+      </p:sp>
+      <p:sp>
+        <p:nvSpPr>
+          <p:cNvPr id="10" name="Oval 9"/>
+          <p:cNvSpPr/>
+          <p:nvPr/>
+        </p:nvSpPr>
+        <p:spPr>
+          <a:xfrm>
+            <a:off x="6428307" y="2054274"/>
+            <a:ext cx="597159" cy="597159"/>
+          </a:xfrm>
+          <a:prstGeom prst="ellipse">
+            <a:avLst/>
+          </a:prstGeom>
+        </p:spPr>
+        <p:style>
+          <a:lnRef idx="0">
+            <a:schemeClr val="accent2"/>
+          </a:lnRef>
+          <a:fillRef idx="3">
+            <a:schemeClr val="accent2"/>
+          </a:fillRef>
+          <a:effectRef idx="3">
+            <a:schemeClr val="accent2"/>
+          </a:effectRef>
+          <a:fontRef idx="minor">
+            <a:schemeClr val="lt1"/>
+          </a:fontRef>
+        </p:style>
+        <p:txBody>
+          <a:bodyPr rtlCol="0" anchor="ctr"/>
+          <a:lstStyle/>
+          <a:p>
+            <a:pPr algn="ctr"/>
+            <a:r>
+              <a:rPr lang="en-US" sz="1600" dirty="0"/>
+              <a:t>E1</a:t>
+            </a:r>
+          </a:p>
+        </p:txBody>
+      </p:sp>
+      <p:sp>
+        <p:nvSpPr>
+          <p:cNvPr id="11" name="Oval 10"/>
+          <p:cNvSpPr/>
+          <p:nvPr/>
+        </p:nvSpPr>
+        <p:spPr>
+          <a:xfrm>
+            <a:off x="7495106" y="1457115"/>
+            <a:ext cx="597159" cy="597159"/>
+          </a:xfrm>
+          <a:prstGeom prst="ellipse">
+            <a:avLst/>
+          </a:prstGeom>
+        </p:spPr>
+        <p:style>
+          <a:lnRef idx="0">
+            <a:schemeClr val="accent2"/>
+          </a:lnRef>
+          <a:fillRef idx="3">
+            <a:schemeClr val="accent2"/>
+          </a:fillRef>
+          <a:effectRef idx="3">
+            <a:schemeClr val="accent2"/>
+          </a:effectRef>
+          <a:fontRef idx="minor">
+            <a:schemeClr val="lt1"/>
+          </a:fontRef>
+        </p:style>
+        <p:txBody>
+          <a:bodyPr rtlCol="0" anchor="ctr"/>
+          <a:lstStyle/>
+          <a:p>
+            <a:pPr algn="ctr"/>
+            <a:r>
+              <a:rPr lang="en-US" sz="1600" dirty="0"/>
+              <a:t>C1</a:t>
+            </a:r>
+          </a:p>
+        </p:txBody>
+      </p:sp>
+      <p:sp>
+        <p:nvSpPr>
+          <p:cNvPr id="12" name="Oval 11"/>
+          <p:cNvSpPr/>
+          <p:nvPr/>
+        </p:nvSpPr>
+        <p:spPr>
+          <a:xfrm>
+            <a:off x="7495106" y="2648323"/>
+            <a:ext cx="597159" cy="597159"/>
+          </a:xfrm>
+          <a:prstGeom prst="ellipse">
+            <a:avLst/>
+          </a:prstGeom>
+        </p:spPr>
+        <p:style>
+          <a:lnRef idx="0">
+            <a:schemeClr val="accent2"/>
+          </a:lnRef>
+          <a:fillRef idx="3">
+            <a:schemeClr val="accent2"/>
+          </a:fillRef>
+          <a:effectRef idx="3">
+            <a:schemeClr val="accent2"/>
+          </a:effectRef>
+          <a:fontRef idx="minor">
+            <a:schemeClr val="lt1"/>
+          </a:fontRef>
+        </p:style>
+        <p:txBody>
+          <a:bodyPr rtlCol="0" anchor="ctr"/>
+          <a:lstStyle/>
+          <a:p>
+            <a:pPr algn="ctr"/>
+            <a:r>
+              <a:rPr lang="en-US" sz="1600" dirty="0"/>
+              <a:t>G1</a:t>
+            </a:r>
+          </a:p>
+        </p:txBody>
+      </p:sp>
+      <p:sp>
+        <p:nvSpPr>
+          <p:cNvPr id="13" name="Oval 12"/>
+          <p:cNvSpPr/>
+          <p:nvPr/>
+        </p:nvSpPr>
+        <p:spPr>
+          <a:xfrm>
+            <a:off x="6442301" y="4405589"/>
+            <a:ext cx="597159" cy="597159"/>
+          </a:xfrm>
+          <a:prstGeom prst="ellipse">
+            <a:avLst/>
+          </a:prstGeom>
+        </p:spPr>
+        <p:style>
+          <a:lnRef idx="0">
+            <a:schemeClr val="accent2"/>
+          </a:lnRef>
+          <a:fillRef idx="3">
+            <a:schemeClr val="accent2"/>
+          </a:fillRef>
+          <a:effectRef idx="3">
+            <a:schemeClr val="accent2"/>
+          </a:effectRef>
+          <a:fontRef idx="minor">
+            <a:schemeClr val="lt1"/>
+          </a:fontRef>
+        </p:style>
+        <p:txBody>
+          <a:bodyPr rtlCol="0" anchor="ctr"/>
+          <a:lstStyle/>
+          <a:p>
+            <a:pPr algn="ctr"/>
+            <a:r>
+              <a:rPr lang="en-US" sz="1600" dirty="0"/>
+              <a:t>E3</a:t>
+            </a:r>
+          </a:p>
+        </p:txBody>
+      </p:sp>
+      <p:sp>
+        <p:nvSpPr>
+          <p:cNvPr id="14" name="Oval 13"/>
+          <p:cNvSpPr/>
+          <p:nvPr/>
+        </p:nvSpPr>
+        <p:spPr>
+          <a:xfrm>
+            <a:off x="7509100" y="3808430"/>
+            <a:ext cx="597159" cy="597159"/>
+          </a:xfrm>
+          <a:prstGeom prst="ellipse">
+            <a:avLst/>
+          </a:prstGeom>
+        </p:spPr>
+        <p:style>
+          <a:lnRef idx="0">
+            <a:schemeClr val="accent2"/>
+          </a:lnRef>
+          <a:fillRef idx="3">
+            <a:schemeClr val="accent2"/>
+          </a:fillRef>
+          <a:effectRef idx="3">
+            <a:schemeClr val="accent2"/>
+          </a:effectRef>
+          <a:fontRef idx="minor">
+            <a:schemeClr val="lt1"/>
+          </a:fontRef>
+        </p:style>
+        <p:txBody>
+          <a:bodyPr rtlCol="0" anchor="ctr"/>
+          <a:lstStyle/>
+          <a:p>
+            <a:pPr algn="ctr"/>
+            <a:r>
+              <a:rPr lang="en-US" sz="1600" dirty="0"/>
+              <a:t>G2</a:t>
+            </a:r>
+          </a:p>
+        </p:txBody>
+      </p:sp>
+      <p:sp>
+        <p:nvSpPr>
+          <p:cNvPr id="15" name="Oval 14"/>
+          <p:cNvSpPr/>
+          <p:nvPr/>
+        </p:nvSpPr>
+        <p:spPr>
+          <a:xfrm>
+            <a:off x="7509100" y="4999638"/>
+            <a:ext cx="597159" cy="597159"/>
+          </a:xfrm>
+          <a:prstGeom prst="ellipse">
+            <a:avLst/>
+          </a:prstGeom>
+        </p:spPr>
+        <p:style>
+          <a:lnRef idx="0">
+            <a:schemeClr val="accent2"/>
+          </a:lnRef>
+          <a:fillRef idx="3">
+            <a:schemeClr val="accent2"/>
+          </a:fillRef>
+          <a:effectRef idx="3">
+            <a:schemeClr val="accent2"/>
+          </a:effectRef>
+          <a:fontRef idx="minor">
+            <a:schemeClr val="lt1"/>
+          </a:fontRef>
+        </p:style>
+        <p:txBody>
+          <a:bodyPr rtlCol="0" anchor="ctr"/>
+          <a:lstStyle/>
+          <a:p>
+            <a:pPr algn="ctr"/>
+            <a:r>
+              <a:rPr lang="en-US" sz="1600" dirty="0"/>
+              <a:t>G3</a:t>
+            </a:r>
+          </a:p>
+        </p:txBody>
+      </p:sp>
+      <p:sp>
+        <p:nvSpPr>
+          <p:cNvPr id="16" name="Oval 15"/>
+          <p:cNvSpPr/>
+          <p:nvPr/>
+        </p:nvSpPr>
+        <p:spPr>
+          <a:xfrm>
+            <a:off x="6429858" y="3211271"/>
+            <a:ext cx="597159" cy="597159"/>
+          </a:xfrm>
+          <a:prstGeom prst="ellipse">
+            <a:avLst/>
+          </a:prstGeom>
+        </p:spPr>
+        <p:style>
+          <a:lnRef idx="0">
+            <a:schemeClr val="accent2"/>
+          </a:lnRef>
+          <a:fillRef idx="3">
+            <a:schemeClr val="accent2"/>
+          </a:fillRef>
+          <a:effectRef idx="3">
+            <a:schemeClr val="accent2"/>
+          </a:effectRef>
+          <a:fontRef idx="minor">
+            <a:schemeClr val="lt1"/>
+          </a:fontRef>
+        </p:style>
+        <p:txBody>
+          <a:bodyPr rtlCol="0" anchor="ctr"/>
+          <a:lstStyle/>
+          <a:p>
+            <a:pPr algn="ctr"/>
+            <a:r>
+              <a:rPr lang="en-US" sz="1600" dirty="0"/>
+              <a:t>E2</a:t>
+            </a:r>
+          </a:p>
+        </p:txBody>
+      </p:sp>
+      <p:cxnSp>
+        <p:nvCxnSpPr>
+          <p:cNvPr id="19" name="Straight Arrow Connector 18"/>
+          <p:cNvCxnSpPr/>
+          <p:nvPr/>
+        </p:nvCxnSpPr>
+        <p:spPr>
+          <a:xfrm flipV="1">
+            <a:off x="4947076" y="3142845"/>
+            <a:ext cx="357672" cy="205273"/>
+          </a:xfrm>
+          <a:prstGeom prst="straightConnector1">
+            <a:avLst/>
+          </a:prstGeom>
+          <a:ln>
+            <a:tailEnd type="triangle"/>
+          </a:ln>
+        </p:spPr>
+        <p:style>
+          <a:lnRef idx="1">
+            <a:schemeClr val="dk1"/>
+          </a:lnRef>
+          <a:fillRef idx="0">
+            <a:schemeClr val="dk1"/>
+          </a:fillRef>
+          <a:effectRef idx="0">
+            <a:schemeClr val="dk1"/>
+          </a:effectRef>
+          <a:fontRef idx="minor">
+            <a:schemeClr val="tx1"/>
+          </a:fontRef>
+        </p:style>
+      </p:cxnSp>
+      <p:cxnSp>
+        <p:nvCxnSpPr>
+          <p:cNvPr id="21" name="Straight Arrow Connector 20"/>
+          <p:cNvCxnSpPr/>
+          <p:nvPr/>
+        </p:nvCxnSpPr>
+        <p:spPr>
+          <a:xfrm>
+            <a:off x="4947076" y="3669248"/>
+            <a:ext cx="374766" cy="241820"/>
+          </a:xfrm>
+          <a:prstGeom prst="straightConnector1">
+            <a:avLst/>
+          </a:prstGeom>
+          <a:ln>
+            <a:tailEnd type="triangle"/>
+          </a:ln>
+        </p:spPr>
+        <p:style>
+          <a:lnRef idx="1">
+            <a:schemeClr val="dk1"/>
+          </a:lnRef>
+          <a:fillRef idx="0">
+            <a:schemeClr val="dk1"/>
+          </a:fillRef>
+          <a:effectRef idx="0">
+            <a:schemeClr val="dk1"/>
+          </a:effectRef>
+          <a:fontRef idx="minor">
+            <a:schemeClr val="tx1"/>
+          </a:fontRef>
+        </p:style>
+      </p:cxnSp>
+      <p:cxnSp>
+        <p:nvCxnSpPr>
+          <p:cNvPr id="18" name="Straight Arrow Connector 17"/>
+          <p:cNvCxnSpPr/>
+          <p:nvPr/>
+        </p:nvCxnSpPr>
+        <p:spPr>
+          <a:xfrm flipV="1">
+            <a:off x="6014651" y="2514585"/>
+            <a:ext cx="357672" cy="205273"/>
+          </a:xfrm>
+          <a:prstGeom prst="straightConnector1">
+            <a:avLst/>
+          </a:prstGeom>
+          <a:ln>
+            <a:tailEnd type="triangle"/>
+          </a:ln>
+        </p:spPr>
+        <p:style>
+          <a:lnRef idx="1">
+            <a:schemeClr val="dk1"/>
+          </a:lnRef>
+          <a:fillRef idx="0">
+            <a:schemeClr val="dk1"/>
+          </a:fillRef>
+          <a:effectRef idx="0">
+            <a:schemeClr val="dk1"/>
+          </a:effectRef>
+          <a:fontRef idx="minor">
+            <a:schemeClr val="tx1"/>
+          </a:fontRef>
+        </p:style>
+      </p:cxnSp>
+      <p:cxnSp>
+        <p:nvCxnSpPr>
+          <p:cNvPr id="20" name="Straight Arrow Connector 19"/>
+          <p:cNvCxnSpPr/>
+          <p:nvPr/>
+        </p:nvCxnSpPr>
+        <p:spPr>
+          <a:xfrm flipV="1">
+            <a:off x="7081450" y="1951637"/>
+            <a:ext cx="357672" cy="205273"/>
+          </a:xfrm>
+          <a:prstGeom prst="straightConnector1">
+            <a:avLst/>
+          </a:prstGeom>
+          <a:ln>
+            <a:tailEnd type="triangle"/>
+          </a:ln>
+        </p:spPr>
+        <p:style>
+          <a:lnRef idx="1">
+            <a:schemeClr val="dk1"/>
+          </a:lnRef>
+          <a:fillRef idx="0">
+            <a:schemeClr val="dk1"/>
+          </a:fillRef>
+          <a:effectRef idx="0">
+            <a:schemeClr val="dk1"/>
+          </a:effectRef>
+          <a:fontRef idx="minor">
+            <a:schemeClr val="tx1"/>
+          </a:fontRef>
+        </p:style>
+      </p:cxnSp>
+      <p:cxnSp>
+        <p:nvCxnSpPr>
+          <p:cNvPr id="22" name="Straight Arrow Connector 21"/>
+          <p:cNvCxnSpPr/>
+          <p:nvPr/>
+        </p:nvCxnSpPr>
+        <p:spPr>
+          <a:xfrm>
+            <a:off x="6021664" y="3080638"/>
+            <a:ext cx="374766" cy="241820"/>
+          </a:xfrm>
+          <a:prstGeom prst="straightConnector1">
+            <a:avLst/>
+          </a:prstGeom>
+          <a:ln>
+            <a:tailEnd type="triangle"/>
+          </a:ln>
+        </p:spPr>
+        <p:style>
+          <a:lnRef idx="1">
+            <a:schemeClr val="dk1"/>
+          </a:lnRef>
+          <a:fillRef idx="0">
+            <a:schemeClr val="dk1"/>
+          </a:fillRef>
+          <a:effectRef idx="0">
+            <a:schemeClr val="dk1"/>
+          </a:effectRef>
+          <a:fontRef idx="minor">
+            <a:schemeClr val="tx1"/>
+          </a:fontRef>
+        </p:style>
+      </p:cxnSp>
+      <p:cxnSp>
+        <p:nvCxnSpPr>
+          <p:cNvPr id="23" name="Straight Arrow Connector 22"/>
+          <p:cNvCxnSpPr/>
+          <p:nvPr/>
+        </p:nvCxnSpPr>
+        <p:spPr>
+          <a:xfrm>
+            <a:off x="7108672" y="2489701"/>
+            <a:ext cx="374766" cy="241820"/>
+          </a:xfrm>
+          <a:prstGeom prst="straightConnector1">
+            <a:avLst/>
+          </a:prstGeom>
+          <a:ln>
+            <a:tailEnd type="triangle"/>
+          </a:ln>
+        </p:spPr>
+        <p:style>
+          <a:lnRef idx="1">
+            <a:schemeClr val="dk1"/>
+          </a:lnRef>
+          <a:fillRef idx="0">
+            <a:schemeClr val="dk1"/>
+          </a:fillRef>
+          <a:effectRef idx="0">
+            <a:schemeClr val="dk1"/>
+          </a:effectRef>
+          <a:fontRef idx="minor">
+            <a:schemeClr val="tx1"/>
+          </a:fontRef>
+        </p:style>
+      </p:cxnSp>
+      <p:cxnSp>
+        <p:nvCxnSpPr>
+          <p:cNvPr id="24" name="Straight Arrow Connector 23"/>
+          <p:cNvCxnSpPr/>
+          <p:nvPr/>
+        </p:nvCxnSpPr>
+        <p:spPr>
+          <a:xfrm>
+            <a:off x="7080675" y="3713566"/>
+            <a:ext cx="374766" cy="241820"/>
+          </a:xfrm>
+          <a:prstGeom prst="straightConnector1">
+            <a:avLst/>
+          </a:prstGeom>
+          <a:ln>
+            <a:tailEnd type="triangle"/>
+          </a:ln>
+        </p:spPr>
+        <p:style>
+          <a:lnRef idx="1">
+            <a:schemeClr val="dk1"/>
+          </a:lnRef>
+          <a:fillRef idx="0">
+            <a:schemeClr val="dk1"/>
+          </a:fillRef>
+          <a:effectRef idx="0">
+            <a:schemeClr val="dk1"/>
+          </a:effectRef>
+          <a:fontRef idx="minor">
+            <a:schemeClr val="tx1"/>
+          </a:fontRef>
+        </p:style>
+      </p:cxnSp>
+      <p:cxnSp>
+        <p:nvCxnSpPr>
+          <p:cNvPr id="25" name="Straight Arrow Connector 24"/>
+          <p:cNvCxnSpPr/>
+          <p:nvPr/>
+        </p:nvCxnSpPr>
+        <p:spPr>
+          <a:xfrm flipV="1">
+            <a:off x="7095046" y="4302953"/>
+            <a:ext cx="357672" cy="205273"/>
+          </a:xfrm>
+          <a:prstGeom prst="straightConnector1">
+            <a:avLst/>
+          </a:prstGeom>
+          <a:ln>
+            <a:tailEnd type="triangle"/>
+          </a:ln>
+        </p:spPr>
+        <p:style>
+          <a:lnRef idx="1">
+            <a:schemeClr val="dk1"/>
+          </a:lnRef>
+          <a:fillRef idx="0">
+            <a:schemeClr val="dk1"/>
+          </a:fillRef>
+          <a:effectRef idx="0">
+            <a:schemeClr val="dk1"/>
+          </a:effectRef>
+          <a:fontRef idx="minor">
+            <a:schemeClr val="tx1"/>
+          </a:fontRef>
+        </p:style>
+      </p:cxnSp>
+      <p:cxnSp>
+        <p:nvCxnSpPr>
+          <p:cNvPr id="26" name="Straight Arrow Connector 25"/>
+          <p:cNvCxnSpPr/>
+          <p:nvPr/>
+        </p:nvCxnSpPr>
+        <p:spPr>
+          <a:xfrm>
+            <a:off x="5997557" y="4302953"/>
+            <a:ext cx="374766" cy="241820"/>
+          </a:xfrm>
+          <a:prstGeom prst="straightConnector1">
+            <a:avLst/>
+          </a:prstGeom>
+          <a:ln>
+            <a:tailEnd type="triangle"/>
+          </a:ln>
+        </p:spPr>
+        <p:style>
+          <a:lnRef idx="1">
+            <a:schemeClr val="dk1"/>
+          </a:lnRef>
+          <a:fillRef idx="0">
+            <a:schemeClr val="dk1"/>
+          </a:fillRef>
+          <a:effectRef idx="0">
+            <a:schemeClr val="dk1"/>
+          </a:effectRef>
+          <a:fontRef idx="minor">
+            <a:schemeClr val="tx1"/>
+          </a:fontRef>
+        </p:style>
+      </p:cxnSp>
+      <p:cxnSp>
+        <p:nvCxnSpPr>
+          <p:cNvPr id="27" name="Straight Arrow Connector 26"/>
+          <p:cNvCxnSpPr/>
+          <p:nvPr/>
+        </p:nvCxnSpPr>
+        <p:spPr>
+          <a:xfrm>
+            <a:off x="7081440" y="4853458"/>
+            <a:ext cx="374766" cy="241820"/>
+          </a:xfrm>
+          <a:prstGeom prst="straightConnector1">
+            <a:avLst/>
+          </a:prstGeom>
+          <a:ln>
+            <a:tailEnd type="triangle"/>
+          </a:ln>
+        </p:spPr>
+        <p:style>
+          <a:lnRef idx="1">
+            <a:schemeClr val="dk1"/>
+          </a:lnRef>
+          <a:fillRef idx="0">
+            <a:schemeClr val="dk1"/>
+          </a:fillRef>
+          <a:effectRef idx="0">
+            <a:schemeClr val="dk1"/>
+          </a:effectRef>
+          <a:fontRef idx="minor">
+            <a:schemeClr val="tx1"/>
+          </a:fontRef>
+        </p:style>
+      </p:cxnSp>
+      <p:sp>
+        <p:nvSpPr>
+          <p:cNvPr id="28" name="Can 27"/>
+          <p:cNvSpPr/>
+          <p:nvPr/>
+        </p:nvSpPr>
+        <p:spPr>
+          <a:xfrm>
+            <a:off x="9616278" y="3080638"/>
+            <a:ext cx="1007706" cy="1091682"/>
+          </a:xfrm>
+          <a:prstGeom prst="can">
+            <a:avLst/>
+          </a:prstGeom>
+        </p:spPr>
+        <p:style>
+          <a:lnRef idx="2">
+            <a:schemeClr val="accent1">
+              <a:shade val="50000"/>
+            </a:schemeClr>
+          </a:lnRef>
+          <a:fillRef idx="1">
+            <a:schemeClr val="accent1"/>
+          </a:fillRef>
+          <a:effectRef idx="0">
+            <a:schemeClr val="accent1"/>
+          </a:effectRef>
+          <a:fontRef idx="minor">
+            <a:schemeClr val="lt1"/>
+          </a:fontRef>
+        </p:style>
+        <p:txBody>
+          <a:bodyPr rtlCol="0" anchor="ctr"/>
+          <a:lstStyle/>
+          <a:p>
+            <a:pPr algn="ctr"/>
+            <a:endParaRPr lang="en-US"/>
+          </a:p>
+        </p:txBody>
+      </p:sp>
+      <p:cxnSp>
+        <p:nvCxnSpPr>
+          <p:cNvPr id="33" name="Straight Arrow Connector 32"/>
+          <p:cNvCxnSpPr/>
+          <p:nvPr/>
+        </p:nvCxnSpPr>
+        <p:spPr>
+          <a:xfrm flipV="1">
+            <a:off x="6893282" y="3291359"/>
+            <a:ext cx="613095" cy="1066801"/>
+          </a:xfrm>
+          <a:prstGeom prst="straightConnector1">
+            <a:avLst/>
+          </a:prstGeom>
+          <a:ln>
+            <a:tailEnd type="triangle"/>
+          </a:ln>
+        </p:spPr>
+        <p:style>
+          <a:lnRef idx="1">
+            <a:schemeClr val="dk1"/>
+          </a:lnRef>
+          <a:fillRef idx="0">
+            <a:schemeClr val="dk1"/>
+          </a:fillRef>
+          <a:effectRef idx="0">
+            <a:schemeClr val="dk1"/>
+          </a:effectRef>
+          <a:fontRef idx="minor">
+            <a:schemeClr val="tx1"/>
+          </a:fontRef>
+        </p:style>
+      </p:cxnSp>
+      <p:sp>
+        <p:nvSpPr>
+          <p:cNvPr id="29" name="Rectangle 28"/>
+          <p:cNvSpPr/>
+          <p:nvPr/>
+        </p:nvSpPr>
+        <p:spPr>
+          <a:xfrm>
+            <a:off x="2190122" y="1564812"/>
+            <a:ext cx="528732" cy="528730"/>
+          </a:xfrm>
+          <a:prstGeom prst="rect">
+            <a:avLst/>
+          </a:prstGeom>
+          <a:gradFill flip="none" rotWithShape="1">
+            <a:gsLst>
+              <a:gs pos="0">
+                <a:schemeClr val="accent6">
+                  <a:lumMod val="67000"/>
+                </a:schemeClr>
+              </a:gs>
+              <a:gs pos="48000">
+                <a:schemeClr val="accent6">
+                  <a:lumMod val="97000"/>
+                  <a:lumOff val="3000"/>
+                </a:schemeClr>
+              </a:gs>
+              <a:gs pos="100000">
+                <a:schemeClr val="accent6">
+                  <a:lumMod val="60000"/>
+                  <a:lumOff val="40000"/>
+                </a:schemeClr>
+              </a:gs>
+            </a:gsLst>
+            <a:lin ang="16200000" scaled="1"/>
+            <a:tileRect/>
+          </a:gradFill>
+          <a:ln>
+            <a:noFill/>
+          </a:ln>
+        </p:spPr>
+        <p:style>
+          <a:lnRef idx="0">
+            <a:scrgbClr r="0" g="0" b="0"/>
+          </a:lnRef>
+          <a:fillRef idx="0">
+            <a:scrgbClr r="0" g="0" b="0"/>
+          </a:fillRef>
+          <a:effectRef idx="0">
+            <a:scrgbClr r="0" g="0" b="0"/>
+          </a:effectRef>
+          <a:fontRef idx="minor">
+            <a:schemeClr val="lt1"/>
+          </a:fontRef>
+        </p:style>
+        <p:txBody>
+          <a:bodyPr rtlCol="0" anchor="ctr"/>
+          <a:lstStyle/>
+          <a:p>
+            <a:pPr algn="ctr"/>
+            <a:r>
+              <a:rPr lang="en-US" dirty="0"/>
+              <a:t>T</a:t>
+            </a:r>
+          </a:p>
+        </p:txBody>
+      </p:sp>
+      <p:cxnSp>
+        <p:nvCxnSpPr>
+          <p:cNvPr id="37" name="Straight Arrow Connector 36"/>
+          <p:cNvCxnSpPr/>
+          <p:nvPr/>
+        </p:nvCxnSpPr>
+        <p:spPr>
+          <a:xfrm>
+            <a:off x="2917279" y="3509850"/>
+            <a:ext cx="1322222" cy="0"/>
+          </a:xfrm>
+          <a:prstGeom prst="straightConnector1">
+            <a:avLst/>
+          </a:prstGeom>
+          <a:ln>
+            <a:tailEnd type="triangle"/>
+          </a:ln>
+        </p:spPr>
+        <p:style>
+          <a:lnRef idx="1">
+            <a:schemeClr val="dk1"/>
+          </a:lnRef>
+          <a:fillRef idx="0">
+            <a:schemeClr val="dk1"/>
+          </a:fillRef>
+          <a:effectRef idx="0">
+            <a:schemeClr val="dk1"/>
+          </a:effectRef>
+          <a:fontRef idx="minor">
+            <a:schemeClr val="tx1"/>
+          </a:fontRef>
+        </p:style>
+      </p:cxnSp>
+      <p:sp>
+        <p:nvSpPr>
+          <p:cNvPr id="30" name="Rectangle 29">
+            <a:extLst>
+              <a:ext uri="{FF2B5EF4-FFF2-40B4-BE49-F238E27FC236}">
+                <a16:creationId xmlns:a16="http://schemas.microsoft.com/office/drawing/2014/main" id="{8402E4A1-A7AA-4A68-8E88-D63CE9347D50}"/>
+              </a:ext>
+            </a:extLst>
+          </p:cNvPr>
+          <p:cNvSpPr/>
+          <p:nvPr/>
+        </p:nvSpPr>
+        <p:spPr>
+          <a:xfrm>
+            <a:off x="2192749" y="2223786"/>
+            <a:ext cx="528732" cy="528730"/>
+          </a:xfrm>
+          <a:prstGeom prst="rect">
+            <a:avLst/>
+          </a:prstGeom>
+          <a:gradFill flip="none" rotWithShape="1">
+            <a:gsLst>
+              <a:gs pos="0">
+                <a:schemeClr val="accent6">
+                  <a:lumMod val="67000"/>
+                </a:schemeClr>
+              </a:gs>
+              <a:gs pos="48000">
+                <a:schemeClr val="accent6">
+                  <a:lumMod val="97000"/>
+                  <a:lumOff val="3000"/>
+                </a:schemeClr>
+              </a:gs>
+              <a:gs pos="100000">
+                <a:schemeClr val="accent6">
+                  <a:lumMod val="60000"/>
+                  <a:lumOff val="40000"/>
+                </a:schemeClr>
+              </a:gs>
+            </a:gsLst>
+            <a:lin ang="16200000" scaled="1"/>
+            <a:tileRect/>
+          </a:gradFill>
+          <a:ln>
+            <a:noFill/>
+          </a:ln>
+        </p:spPr>
+        <p:style>
+          <a:lnRef idx="0">
+            <a:scrgbClr r="0" g="0" b="0"/>
+          </a:lnRef>
+          <a:fillRef idx="0">
+            <a:scrgbClr r="0" g="0" b="0"/>
+          </a:fillRef>
+          <a:effectRef idx="0">
+            <a:scrgbClr r="0" g="0" b="0"/>
+          </a:effectRef>
+          <a:fontRef idx="minor">
+            <a:schemeClr val="lt1"/>
+          </a:fontRef>
+        </p:style>
+        <p:txBody>
+          <a:bodyPr rtlCol="0" anchor="ctr"/>
+          <a:lstStyle/>
+          <a:p>
+            <a:pPr algn="ctr"/>
+            <a:r>
+              <a:rPr lang="en-US" dirty="0"/>
+              <a:t>T</a:t>
+            </a:r>
+          </a:p>
+        </p:txBody>
+      </p:sp>
+      <p:sp>
+        <p:nvSpPr>
+          <p:cNvPr id="31" name="Rectangle 30">
+            <a:extLst>
+              <a:ext uri="{FF2B5EF4-FFF2-40B4-BE49-F238E27FC236}">
+                <a16:creationId xmlns:a16="http://schemas.microsoft.com/office/drawing/2014/main" id="{7F696B2A-305B-4594-80E3-982C826CAF23}"/>
+              </a:ext>
+            </a:extLst>
+          </p:cNvPr>
+          <p:cNvSpPr/>
+          <p:nvPr/>
+        </p:nvSpPr>
+        <p:spPr>
+          <a:xfrm>
+            <a:off x="2190122" y="2882760"/>
+            <a:ext cx="528732" cy="528730"/>
+          </a:xfrm>
+          <a:prstGeom prst="rect">
+            <a:avLst/>
+          </a:prstGeom>
+          <a:gradFill flip="none" rotWithShape="1">
+            <a:gsLst>
+              <a:gs pos="0">
+                <a:schemeClr val="accent6">
+                  <a:lumMod val="67000"/>
+                </a:schemeClr>
+              </a:gs>
+              <a:gs pos="48000">
+                <a:schemeClr val="accent6">
+                  <a:lumMod val="97000"/>
+                  <a:lumOff val="3000"/>
+                </a:schemeClr>
+              </a:gs>
+              <a:gs pos="100000">
+                <a:schemeClr val="accent6">
+                  <a:lumMod val="60000"/>
+                  <a:lumOff val="40000"/>
+                </a:schemeClr>
+              </a:gs>
+            </a:gsLst>
+            <a:lin ang="16200000" scaled="1"/>
+            <a:tileRect/>
+          </a:gradFill>
+          <a:ln>
+            <a:noFill/>
+          </a:ln>
+        </p:spPr>
+        <p:style>
+          <a:lnRef idx="0">
+            <a:scrgbClr r="0" g="0" b="0"/>
+          </a:lnRef>
+          <a:fillRef idx="0">
+            <a:scrgbClr r="0" g="0" b="0"/>
+          </a:fillRef>
+          <a:effectRef idx="0">
+            <a:scrgbClr r="0" g="0" b="0"/>
+          </a:effectRef>
+          <a:fontRef idx="minor">
+            <a:schemeClr val="lt1"/>
+          </a:fontRef>
+        </p:style>
+        <p:txBody>
+          <a:bodyPr rtlCol="0" anchor="ctr"/>
+          <a:lstStyle/>
+          <a:p>
+            <a:pPr algn="ctr"/>
+            <a:r>
+              <a:rPr lang="en-US" dirty="0"/>
+              <a:t>T</a:t>
+            </a:r>
+          </a:p>
+        </p:txBody>
+      </p:sp>
+      <p:sp>
+        <p:nvSpPr>
+          <p:cNvPr id="32" name="Rectangle 31">
+            <a:extLst>
+              <a:ext uri="{FF2B5EF4-FFF2-40B4-BE49-F238E27FC236}">
+                <a16:creationId xmlns:a16="http://schemas.microsoft.com/office/drawing/2014/main" id="{68993F75-F7FC-4270-AFB3-10E6D2163F0A}"/>
+              </a:ext>
+            </a:extLst>
+          </p:cNvPr>
+          <p:cNvSpPr/>
+          <p:nvPr/>
+        </p:nvSpPr>
+        <p:spPr>
+          <a:xfrm>
+            <a:off x="2190122" y="3541734"/>
+            <a:ext cx="528732" cy="528730"/>
+          </a:xfrm>
+          <a:prstGeom prst="rect">
+            <a:avLst/>
+          </a:prstGeom>
+          <a:gradFill flip="none" rotWithShape="1">
+            <a:gsLst>
+              <a:gs pos="0">
+                <a:schemeClr val="accent6">
+                  <a:lumMod val="67000"/>
+                </a:schemeClr>
+              </a:gs>
+              <a:gs pos="48000">
+                <a:schemeClr val="accent6">
+                  <a:lumMod val="97000"/>
+                  <a:lumOff val="3000"/>
+                </a:schemeClr>
+              </a:gs>
+              <a:gs pos="100000">
+                <a:schemeClr val="accent6">
+                  <a:lumMod val="60000"/>
+                  <a:lumOff val="40000"/>
+                </a:schemeClr>
+              </a:gs>
+            </a:gsLst>
+            <a:lin ang="16200000" scaled="1"/>
+            <a:tileRect/>
+          </a:gradFill>
+          <a:ln>
+            <a:noFill/>
+          </a:ln>
+        </p:spPr>
+        <p:style>
+          <a:lnRef idx="0">
+            <a:scrgbClr r="0" g="0" b="0"/>
+          </a:lnRef>
+          <a:fillRef idx="0">
+            <a:scrgbClr r="0" g="0" b="0"/>
+          </a:fillRef>
+          <a:effectRef idx="0">
+            <a:scrgbClr r="0" g="0" b="0"/>
+          </a:effectRef>
+          <a:fontRef idx="minor">
+            <a:schemeClr val="lt1"/>
+          </a:fontRef>
+        </p:style>
+        <p:txBody>
+          <a:bodyPr rtlCol="0" anchor="ctr"/>
+          <a:lstStyle/>
+          <a:p>
+            <a:pPr algn="ctr"/>
+            <a:r>
+              <a:rPr lang="en-US" dirty="0"/>
+              <a:t>T</a:t>
+            </a:r>
+          </a:p>
+        </p:txBody>
+      </p:sp>
+      <p:sp>
+        <p:nvSpPr>
+          <p:cNvPr id="34" name="Rectangle 33">
+            <a:extLst>
+              <a:ext uri="{FF2B5EF4-FFF2-40B4-BE49-F238E27FC236}">
+                <a16:creationId xmlns:a16="http://schemas.microsoft.com/office/drawing/2014/main" id="{7BAAE9AA-7838-4D63-8EDF-11B264DA7739}"/>
+              </a:ext>
+            </a:extLst>
+          </p:cNvPr>
+          <p:cNvSpPr/>
+          <p:nvPr/>
+        </p:nvSpPr>
+        <p:spPr>
+          <a:xfrm>
+            <a:off x="2190122" y="4197596"/>
+            <a:ext cx="528732" cy="528730"/>
+          </a:xfrm>
+          <a:prstGeom prst="rect">
+            <a:avLst/>
+          </a:prstGeom>
+          <a:gradFill flip="none" rotWithShape="1">
+            <a:gsLst>
+              <a:gs pos="0">
+                <a:schemeClr val="accent6">
+                  <a:lumMod val="67000"/>
+                </a:schemeClr>
+              </a:gs>
+              <a:gs pos="48000">
+                <a:schemeClr val="accent6">
+                  <a:lumMod val="97000"/>
+                  <a:lumOff val="3000"/>
+                </a:schemeClr>
+              </a:gs>
+              <a:gs pos="100000">
+                <a:schemeClr val="accent6">
+                  <a:lumMod val="60000"/>
+                  <a:lumOff val="40000"/>
+                </a:schemeClr>
+              </a:gs>
+            </a:gsLst>
+            <a:lin ang="16200000" scaled="1"/>
+            <a:tileRect/>
+          </a:gradFill>
+          <a:ln>
+            <a:noFill/>
+          </a:ln>
+        </p:spPr>
+        <p:style>
+          <a:lnRef idx="0">
+            <a:scrgbClr r="0" g="0" b="0"/>
+          </a:lnRef>
+          <a:fillRef idx="0">
+            <a:scrgbClr r="0" g="0" b="0"/>
+          </a:fillRef>
+          <a:effectRef idx="0">
+            <a:scrgbClr r="0" g="0" b="0"/>
+          </a:effectRef>
+          <a:fontRef idx="minor">
+            <a:schemeClr val="lt1"/>
+          </a:fontRef>
+        </p:style>
+        <p:txBody>
+          <a:bodyPr rtlCol="0" anchor="ctr"/>
+          <a:lstStyle/>
+          <a:p>
+            <a:pPr algn="ctr"/>
+            <a:r>
+              <a:rPr lang="en-US" dirty="0"/>
+              <a:t>T</a:t>
+            </a:r>
+          </a:p>
+        </p:txBody>
+      </p:sp>
+      <p:sp>
+        <p:nvSpPr>
+          <p:cNvPr id="38" name="Rectangle 37">
+            <a:extLst>
+              <a:ext uri="{FF2B5EF4-FFF2-40B4-BE49-F238E27FC236}">
+                <a16:creationId xmlns:a16="http://schemas.microsoft.com/office/drawing/2014/main" id="{07FC1FA5-44A2-4ED4-B88C-A4811AAF90AB}"/>
+              </a:ext>
+            </a:extLst>
+          </p:cNvPr>
+          <p:cNvSpPr/>
+          <p:nvPr/>
+        </p:nvSpPr>
+        <p:spPr>
+          <a:xfrm>
+            <a:off x="2190122" y="4853458"/>
+            <a:ext cx="528732" cy="528730"/>
+          </a:xfrm>
+          <a:prstGeom prst="rect">
+            <a:avLst/>
+          </a:prstGeom>
+          <a:gradFill flip="none" rotWithShape="1">
+            <a:gsLst>
+              <a:gs pos="0">
+                <a:schemeClr val="accent6">
+                  <a:lumMod val="67000"/>
+                </a:schemeClr>
+              </a:gs>
+              <a:gs pos="48000">
+                <a:schemeClr val="accent6">
+                  <a:lumMod val="97000"/>
+                  <a:lumOff val="3000"/>
+                </a:schemeClr>
+              </a:gs>
+              <a:gs pos="100000">
+                <a:schemeClr val="accent6">
+                  <a:lumMod val="60000"/>
+                  <a:lumOff val="40000"/>
+                </a:schemeClr>
+              </a:gs>
+            </a:gsLst>
+            <a:lin ang="16200000" scaled="1"/>
+            <a:tileRect/>
+          </a:gradFill>
+          <a:ln>
+            <a:noFill/>
+          </a:ln>
+        </p:spPr>
+        <p:style>
+          <a:lnRef idx="0">
+            <a:scrgbClr r="0" g="0" b="0"/>
+          </a:lnRef>
+          <a:fillRef idx="0">
+            <a:scrgbClr r="0" g="0" b="0"/>
+          </a:fillRef>
+          <a:effectRef idx="0">
+            <a:scrgbClr r="0" g="0" b="0"/>
+          </a:effectRef>
+          <a:fontRef idx="minor">
+            <a:schemeClr val="lt1"/>
+          </a:fontRef>
+        </p:style>
+        <p:txBody>
+          <a:bodyPr rtlCol="0" anchor="ctr"/>
+          <a:lstStyle/>
+          <a:p>
+            <a:pPr algn="ctr"/>
+            <a:r>
+              <a:rPr lang="en-US" dirty="0"/>
+              <a:t>T</a:t>
+            </a:r>
+          </a:p>
+        </p:txBody>
+      </p:sp>
+      <p:cxnSp>
+        <p:nvCxnSpPr>
+          <p:cNvPr id="36" name="Straight Arrow Connector 35">
+            <a:extLst>
+              <a:ext uri="{FF2B5EF4-FFF2-40B4-BE49-F238E27FC236}">
+                <a16:creationId xmlns:a16="http://schemas.microsoft.com/office/drawing/2014/main" id="{C529EAD5-E6A8-4C95-ADA2-17F431CC4341}"/>
+              </a:ext>
+            </a:extLst>
+          </p:cNvPr>
+          <p:cNvCxnSpPr>
+            <a:cxnSpLocks/>
+          </p:cNvCxnSpPr>
+          <p:nvPr/>
+        </p:nvCxnSpPr>
+        <p:spPr>
+          <a:xfrm>
+            <a:off x="8194089" y="2956264"/>
+            <a:ext cx="1278385" cy="553586"/>
+          </a:xfrm>
+          <a:prstGeom prst="straightConnector1">
+            <a:avLst/>
+          </a:prstGeom>
+          <a:ln>
+            <a:tailEnd type="triangle"/>
+          </a:ln>
+        </p:spPr>
+        <p:style>
+          <a:lnRef idx="1">
+            <a:schemeClr val="dk1"/>
+          </a:lnRef>
+          <a:fillRef idx="0">
+            <a:schemeClr val="dk1"/>
+          </a:fillRef>
+          <a:effectRef idx="0">
+            <a:schemeClr val="dk1"/>
+          </a:effectRef>
+          <a:fontRef idx="minor">
+            <a:schemeClr val="tx1"/>
+          </a:fontRef>
+        </p:style>
+      </p:cxnSp>
+      <p:cxnSp>
+        <p:nvCxnSpPr>
+          <p:cNvPr id="39" name="Straight Arrow Connector 38">
+            <a:extLst>
+              <a:ext uri="{FF2B5EF4-FFF2-40B4-BE49-F238E27FC236}">
+                <a16:creationId xmlns:a16="http://schemas.microsoft.com/office/drawing/2014/main" id="{8625E6E0-7412-4FB0-B5D5-7EDCADDC7510}"/>
+              </a:ext>
+            </a:extLst>
+          </p:cNvPr>
+          <p:cNvCxnSpPr>
+            <a:cxnSpLocks/>
+          </p:cNvCxnSpPr>
+          <p:nvPr/>
+        </p:nvCxnSpPr>
+        <p:spPr>
+          <a:xfrm flipV="1">
+            <a:off x="8194089" y="3669248"/>
+            <a:ext cx="1278385" cy="401216"/>
+          </a:xfrm>
+          <a:prstGeom prst="straightConnector1">
+            <a:avLst/>
+          </a:prstGeom>
+          <a:ln>
+            <a:tailEnd type="triangle"/>
+          </a:ln>
+        </p:spPr>
+        <p:style>
+          <a:lnRef idx="1">
+            <a:schemeClr val="dk1"/>
+          </a:lnRef>
+          <a:fillRef idx="0">
+            <a:schemeClr val="dk1"/>
+          </a:fillRef>
+          <a:effectRef idx="0">
+            <a:schemeClr val="dk1"/>
+          </a:effectRef>
+          <a:fontRef idx="minor">
+            <a:schemeClr val="tx1"/>
+          </a:fontRef>
+        </p:style>
+      </p:cxnSp>
+      <p:cxnSp>
+        <p:nvCxnSpPr>
+          <p:cNvPr id="40" name="Straight Arrow Connector 39">
+            <a:extLst>
+              <a:ext uri="{FF2B5EF4-FFF2-40B4-BE49-F238E27FC236}">
+                <a16:creationId xmlns:a16="http://schemas.microsoft.com/office/drawing/2014/main" id="{85EEC7F9-2356-4ACA-901D-E8DAFF1E27F5}"/>
+              </a:ext>
+            </a:extLst>
+          </p:cNvPr>
+          <p:cNvCxnSpPr>
+            <a:cxnSpLocks/>
+          </p:cNvCxnSpPr>
+          <p:nvPr/>
+        </p:nvCxnSpPr>
+        <p:spPr>
+          <a:xfrm flipV="1">
+            <a:off x="8194089" y="3955386"/>
+            <a:ext cx="1278385" cy="1139892"/>
+          </a:xfrm>
+          <a:prstGeom prst="straightConnector1">
+            <a:avLst/>
+          </a:prstGeom>
+          <a:ln>
+            <a:tailEnd type="triangle"/>
+          </a:ln>
+        </p:spPr>
+        <p:style>
+          <a:lnRef idx="1">
+            <a:schemeClr val="dk1"/>
+          </a:lnRef>
+          <a:fillRef idx="0">
+            <a:schemeClr val="dk1"/>
+          </a:fillRef>
+          <a:effectRef idx="0">
+            <a:schemeClr val="dk1"/>
+          </a:effectRef>
+          <a:fontRef idx="minor">
+            <a:schemeClr val="tx1"/>
+          </a:fontRef>
+        </p:style>
+      </p:cxnSp>
+    </p:spTree>
+    <p:extLst>
+      <p:ext uri="{BB962C8B-B14F-4D97-AF65-F5344CB8AC3E}">
+        <p14:creationId xmlns:p14="http://schemas.microsoft.com/office/powerpoint/2010/main" val="1625986865"/>
       </p:ext>
     </p:extLst>
   </p:cSld>
